--- a/TeamI.pptx
+++ b/TeamI.pptx
@@ -5,10 +5,10 @@
     <p:sldMasterId id="2147483658" r:id="rId4"/>
   </p:sldMasterIdLst>
   <p:notesMasterIdLst>
-    <p:notesMasterId r:id="rId19"/>
+    <p:notesMasterId r:id="rId18"/>
   </p:notesMasterIdLst>
   <p:handoutMasterIdLst>
-    <p:handoutMasterId r:id="rId20"/>
+    <p:handoutMasterId r:id="rId19"/>
   </p:handoutMasterIdLst>
   <p:sldIdLst>
     <p:sldId id="410" r:id="rId5"/>
@@ -23,8 +23,7 @@
     <p:sldId id="415" r:id="rId14"/>
     <p:sldId id="406" r:id="rId15"/>
     <p:sldId id="404" r:id="rId16"/>
-    <p:sldId id="405" r:id="rId17"/>
-    <p:sldId id="398" r:id="rId18"/>
+    <p:sldId id="398" r:id="rId17"/>
   </p:sldIdLst>
   <p:sldSz cx="12192000" cy="6858000"/>
   <p:notesSz cx="6858000" cy="9144000"/>
@@ -5877,7 +5876,7 @@
           <a:p>
             <a:fld id="{1EBEDD12-BCD5-485B-BCBC-34BB01D7923C}" type="datetimeFigureOut">
               <a:rPr lang="en-US" smtClean="0"/>
-              <a:t>4/25/2024</a:t>
+              <a:t>4/27/2024</a:t>
             </a:fld>
             <a:endParaRPr lang="en-US" dirty="0"/>
           </a:p>
@@ -6091,7 +6090,7 @@
           <a:p>
             <a:fld id="{6EE7A52F-9D89-7442-A8E9-48D1527B5F6B}" type="datetimeFigureOut">
               <a:rPr lang="en-US" smtClean="0"/>
-              <a:t>4/25/2024</a:t>
+              <a:t>4/27/2024</a:t>
             </a:fld>
             <a:endParaRPr lang="en-US" dirty="0"/>
           </a:p>
@@ -6592,90 +6591,6 @@
             <a:fld id="{A89C7E07-3C67-C64C-8DA0-0404F6303970}" type="slidenum">
               <a:rPr lang="en-US" smtClean="0"/>
               <a:t>13</a:t>
-            </a:fld>
-            <a:endParaRPr lang="en-US" dirty="0"/>
-          </a:p>
-        </p:txBody>
-      </p:sp>
-    </p:spTree>
-    <p:extLst>
-      <p:ext uri="{BB962C8B-B14F-4D97-AF65-F5344CB8AC3E}">
-        <p14:creationId xmlns:p14="http://schemas.microsoft.com/office/powerpoint/2010/main" val="4050233131"/>
-      </p:ext>
-    </p:extLst>
-  </p:cSld>
-  <p:clrMapOvr>
-    <a:masterClrMapping/>
-  </p:clrMapOvr>
-</p:notes>
-</file>
-
-<file path=ppt/notesSlides/notesSlide12.xml><?xml version="1.0" encoding="utf-8"?>
-<p:notes xmlns:a="http://schemas.openxmlformats.org/drawingml/2006/main" xmlns:r="http://schemas.openxmlformats.org/officeDocument/2006/relationships" xmlns:p="http://schemas.openxmlformats.org/presentationml/2006/main">
-  <p:cSld>
-    <p:spTree>
-      <p:nvGrpSpPr>
-        <p:cNvPr id="1" name=""/>
-        <p:cNvGrpSpPr/>
-        <p:nvPr/>
-      </p:nvGrpSpPr>
-      <p:grpSpPr>
-        <a:xfrm>
-          <a:off x="0" y="0"/>
-          <a:ext cx="0" cy="0"/>
-          <a:chOff x="0" y="0"/>
-          <a:chExt cx="0" cy="0"/>
-        </a:xfrm>
-      </p:grpSpPr>
-      <p:sp>
-        <p:nvSpPr>
-          <p:cNvPr id="2" name="Slide Image Placeholder 1"/>
-          <p:cNvSpPr>
-            <a:spLocks noGrp="1" noRot="1" noChangeAspect="1"/>
-          </p:cNvSpPr>
-          <p:nvPr>
-            <p:ph type="sldImg"/>
-          </p:nvPr>
-        </p:nvSpPr>
-        <p:spPr/>
-      </p:sp>
-      <p:sp>
-        <p:nvSpPr>
-          <p:cNvPr id="3" name="Notes Placeholder 2"/>
-          <p:cNvSpPr>
-            <a:spLocks noGrp="1"/>
-          </p:cNvSpPr>
-          <p:nvPr>
-            <p:ph type="body" idx="1"/>
-          </p:nvPr>
-        </p:nvSpPr>
-        <p:spPr/>
-        <p:txBody>
-          <a:bodyPr/>
-          <a:lstStyle/>
-          <a:p>
-            <a:endParaRPr lang="en-US" dirty="0"/>
-          </a:p>
-        </p:txBody>
-      </p:sp>
-      <p:sp>
-        <p:nvSpPr>
-          <p:cNvPr id="4" name="Slide Number Placeholder 3"/>
-          <p:cNvSpPr>
-            <a:spLocks noGrp="1"/>
-          </p:cNvSpPr>
-          <p:nvPr>
-            <p:ph type="sldNum" sz="quarter" idx="5"/>
-          </p:nvPr>
-        </p:nvSpPr>
-        <p:spPr/>
-        <p:txBody>
-          <a:bodyPr/>
-          <a:lstStyle/>
-          <a:p>
-            <a:fld id="{A89C7E07-3C67-C64C-8DA0-0404F6303970}" type="slidenum">
-              <a:rPr lang="en-US" smtClean="0"/>
-              <a:t>14</a:t>
             </a:fld>
             <a:endParaRPr lang="en-US" dirty="0"/>
           </a:p>
@@ -16232,559 +16147,6 @@
       </p:grpSpPr>
       <p:sp>
         <p:nvSpPr>
-          <p:cNvPr id="6" name="Title 5">
-            <a:extLst>
-              <a:ext uri="{FF2B5EF4-FFF2-40B4-BE49-F238E27FC236}">
-                <a16:creationId xmlns:a16="http://schemas.microsoft.com/office/drawing/2014/main" id="{76A9A9A7-F1D2-237D-AC72-E21A286F0A6F}"/>
-              </a:ext>
-            </a:extLst>
-          </p:cNvPr>
-          <p:cNvSpPr>
-            <a:spLocks noGrp="1"/>
-          </p:cNvSpPr>
-          <p:nvPr>
-            <p:ph type="title"/>
-          </p:nvPr>
-        </p:nvSpPr>
-        <p:spPr>
-          <a:xfrm>
-            <a:off x="3661409" y="4661717"/>
-            <a:ext cx="7936230" cy="1380760"/>
-          </a:xfrm>
-        </p:spPr>
-        <p:txBody>
-          <a:bodyPr/>
-          <a:lstStyle/>
-          <a:p>
-            <a:r>
-              <a:rPr lang="en-US" dirty="0"/>
-              <a:t>Dynamic delivery</a:t>
-            </a:r>
-          </a:p>
-        </p:txBody>
-      </p:sp>
-      <p:sp>
-        <p:nvSpPr>
-          <p:cNvPr id="4" name="Content Placeholder 3">
-            <a:extLst>
-              <a:ext uri="{FF2B5EF4-FFF2-40B4-BE49-F238E27FC236}">
-                <a16:creationId xmlns:a16="http://schemas.microsoft.com/office/drawing/2014/main" id="{CDB14AAA-1F04-769D-E7F0-4F68C8EB9283}"/>
-              </a:ext>
-            </a:extLst>
-          </p:cNvPr>
-          <p:cNvSpPr>
-            <a:spLocks noGrp="1"/>
-          </p:cNvSpPr>
-          <p:nvPr>
-            <p:ph sz="quarter" idx="14"/>
-          </p:nvPr>
-        </p:nvSpPr>
-        <p:spPr>
-          <a:xfrm>
-            <a:off x="603885" y="584005"/>
-            <a:ext cx="2825115" cy="3999060"/>
-          </a:xfrm>
-        </p:spPr>
-        <p:txBody>
-          <a:bodyPr/>
-          <a:lstStyle/>
-          <a:p>
-            <a:r>
-              <a:rPr lang="en-US" dirty="0"/>
-              <a:t>Learn to infuse energy into your delivery to leave a lasting impression.</a:t>
-            </a:r>
-          </a:p>
-          <a:p>
-            <a:r>
-              <a:rPr lang="en-US" dirty="0"/>
-              <a:t>One of the goals of effective communication is to motivate your audience.</a:t>
-            </a:r>
-          </a:p>
-        </p:txBody>
-      </p:sp>
-      <p:graphicFrame>
-        <p:nvGraphicFramePr>
-          <p:cNvPr id="8" name="Table Placeholder 2">
-            <a:extLst>
-              <a:ext uri="{FF2B5EF4-FFF2-40B4-BE49-F238E27FC236}">
-                <a16:creationId xmlns:a16="http://schemas.microsoft.com/office/drawing/2014/main" id="{C60AA2D2-28D7-69D7-F6C5-B31DAD3332C1}"/>
-              </a:ext>
-            </a:extLst>
-          </p:cNvPr>
-          <p:cNvGraphicFramePr>
-            <a:graphicFrameLocks noGrp="1"/>
-          </p:cNvGraphicFramePr>
-          <p:nvPr>
-            <p:ph sz="quarter" idx="13"/>
-            <p:extLst>
-              <p:ext uri="{D42A27DB-BD31-4B8C-83A1-F6EECF244321}">
-                <p14:modId xmlns:p14="http://schemas.microsoft.com/office/powerpoint/2010/main" val="598521189"/>
-              </p:ext>
-            </p:extLst>
-          </p:nvPr>
-        </p:nvGraphicFramePr>
-        <p:xfrm>
-          <a:off x="3670300" y="584200"/>
-          <a:ext cx="7930340" cy="3964681"/>
-        </p:xfrm>
-        <a:graphic>
-          <a:graphicData uri="http://schemas.openxmlformats.org/drawingml/2006/table">
-            <a:tbl>
-              <a:tblPr firstRow="1" bandRow="1">
-                <a:tableStyleId>{8A107856-5554-42FB-B03E-39F5DBC370BA}</a:tableStyleId>
-              </a:tblPr>
-              <a:tblGrid>
-                <a:gridCol w="1982585">
-                  <a:extLst>
-                    <a:ext uri="{9D8B030D-6E8A-4147-A177-3AD203B41FA5}">
-                      <a16:colId xmlns:a16="http://schemas.microsoft.com/office/drawing/2014/main" val="127040821"/>
-                    </a:ext>
-                  </a:extLst>
-                </a:gridCol>
-                <a:gridCol w="1982585">
-                  <a:extLst>
-                    <a:ext uri="{9D8B030D-6E8A-4147-A177-3AD203B41FA5}">
-                      <a16:colId xmlns:a16="http://schemas.microsoft.com/office/drawing/2014/main" val="149845700"/>
-                    </a:ext>
-                  </a:extLst>
-                </a:gridCol>
-                <a:gridCol w="1982585">
-                  <a:extLst>
-                    <a:ext uri="{9D8B030D-6E8A-4147-A177-3AD203B41FA5}">
-                      <a16:colId xmlns:a16="http://schemas.microsoft.com/office/drawing/2014/main" val="3119692462"/>
-                    </a:ext>
-                  </a:extLst>
-                </a:gridCol>
-                <a:gridCol w="1982585">
-                  <a:extLst>
-                    <a:ext uri="{9D8B030D-6E8A-4147-A177-3AD203B41FA5}">
-                      <a16:colId xmlns:a16="http://schemas.microsoft.com/office/drawing/2014/main" val="3472639139"/>
-                    </a:ext>
-                  </a:extLst>
-                </a:gridCol>
-              </a:tblGrid>
-              <a:tr h="511373">
-                <a:tc>
-                  <a:txBody>
-                    <a:bodyPr/>
-                    <a:lstStyle/>
-                    <a:p>
-                      <a:pPr algn="ctr"/>
-                      <a:r>
-                        <a:rPr lang="en-US" b="0" dirty="0">
-                          <a:latin typeface="+mj-lt"/>
-                        </a:rPr>
-                        <a:t>Metric</a:t>
-                      </a:r>
-                    </a:p>
-                  </a:txBody>
-                  <a:tcPr anchor="ctr"/>
-                </a:tc>
-                <a:tc>
-                  <a:txBody>
-                    <a:bodyPr/>
-                    <a:lstStyle/>
-                    <a:p>
-                      <a:pPr algn="ctr"/>
-                      <a:r>
-                        <a:rPr lang="en-US" b="0" dirty="0">
-                          <a:latin typeface="+mj-lt"/>
-                        </a:rPr>
-                        <a:t>Measurement</a:t>
-                      </a:r>
-                    </a:p>
-                  </a:txBody>
-                  <a:tcPr anchor="ctr"/>
-                </a:tc>
-                <a:tc>
-                  <a:txBody>
-                    <a:bodyPr/>
-                    <a:lstStyle/>
-                    <a:p>
-                      <a:pPr algn="ctr"/>
-                      <a:r>
-                        <a:rPr lang="en-US" b="0" dirty="0">
-                          <a:latin typeface="+mj-lt"/>
-                        </a:rPr>
-                        <a:t>Target</a:t>
-                      </a:r>
-                    </a:p>
-                  </a:txBody>
-                  <a:tcPr anchor="ctr"/>
-                </a:tc>
-                <a:tc>
-                  <a:txBody>
-                    <a:bodyPr/>
-                    <a:lstStyle/>
-                    <a:p>
-                      <a:pPr algn="ctr"/>
-                      <a:r>
-                        <a:rPr lang="en-US" b="0" dirty="0">
-                          <a:latin typeface="+mj-lt"/>
-                        </a:rPr>
-                        <a:t>Actual</a:t>
-                      </a:r>
-                    </a:p>
-                  </a:txBody>
-                  <a:tcPr anchor="ctr"/>
-                </a:tc>
-                <a:extLst>
-                  <a:ext uri="{0D108BD9-81ED-4DB2-BD59-A6C34878D82A}">
-                    <a16:rowId xmlns:a16="http://schemas.microsoft.com/office/drawing/2014/main" val="3298013591"/>
-                  </a:ext>
-                </a:extLst>
-              </a:tr>
-              <a:tr h="708914">
-                <a:tc>
-                  <a:txBody>
-                    <a:bodyPr/>
-                    <a:lstStyle/>
-                    <a:p>
-                      <a:pPr algn="ctr"/>
-                      <a:r>
-                        <a:rPr lang="en-US" b="0" dirty="0"/>
-                        <a:t>Audience attendance</a:t>
-                      </a:r>
-                    </a:p>
-                  </a:txBody>
-                  <a:tcPr anchor="ctr"/>
-                </a:tc>
-                <a:tc>
-                  <a:txBody>
-                    <a:bodyPr/>
-                    <a:lstStyle/>
-                    <a:p>
-                      <a:pPr algn="ctr"/>
-                      <a:r>
-                        <a:rPr lang="en-US" b="0" dirty="0"/>
-                        <a:t># of attendees</a:t>
-                      </a:r>
-                    </a:p>
-                  </a:txBody>
-                  <a:tcPr anchor="ctr"/>
-                </a:tc>
-                <a:tc>
-                  <a:txBody>
-                    <a:bodyPr/>
-                    <a:lstStyle/>
-                    <a:p>
-                      <a:pPr algn="ctr"/>
-                      <a:r>
-                        <a:rPr lang="en-US" b="0" dirty="0"/>
-                        <a:t>150</a:t>
-                      </a:r>
-                    </a:p>
-                  </a:txBody>
-                  <a:tcPr anchor="ctr"/>
-                </a:tc>
-                <a:tc>
-                  <a:txBody>
-                    <a:bodyPr/>
-                    <a:lstStyle/>
-                    <a:p>
-                      <a:pPr algn="ctr"/>
-                      <a:r>
-                        <a:rPr lang="en-US" b="0" dirty="0"/>
-                        <a:t>120</a:t>
-                      </a:r>
-                    </a:p>
-                  </a:txBody>
-                  <a:tcPr anchor="ctr"/>
-                </a:tc>
-                <a:extLst>
-                  <a:ext uri="{0D108BD9-81ED-4DB2-BD59-A6C34878D82A}">
-                    <a16:rowId xmlns:a16="http://schemas.microsoft.com/office/drawing/2014/main" val="3873867931"/>
-                  </a:ext>
-                </a:extLst>
-              </a:tr>
-              <a:tr h="708914">
-                <a:tc>
-                  <a:txBody>
-                    <a:bodyPr/>
-                    <a:lstStyle/>
-                    <a:p>
-                      <a:pPr algn="ctr"/>
-                      <a:r>
-                        <a:rPr lang="en-US" b="0" dirty="0"/>
-                        <a:t>Engagement duration</a:t>
-                      </a:r>
-                    </a:p>
-                  </a:txBody>
-                  <a:tcPr anchor="ctr"/>
-                </a:tc>
-                <a:tc>
-                  <a:txBody>
-                    <a:bodyPr/>
-                    <a:lstStyle/>
-                    <a:p>
-                      <a:pPr algn="ctr"/>
-                      <a:r>
-                        <a:rPr lang="en-US" b="0" dirty="0"/>
-                        <a:t>Minutes</a:t>
-                      </a:r>
-                    </a:p>
-                  </a:txBody>
-                  <a:tcPr anchor="ctr"/>
-                </a:tc>
-                <a:tc>
-                  <a:txBody>
-                    <a:bodyPr/>
-                    <a:lstStyle/>
-                    <a:p>
-                      <a:pPr algn="ctr"/>
-                      <a:r>
-                        <a:rPr lang="en-US" b="0" dirty="0"/>
-                        <a:t>60</a:t>
-                      </a:r>
-                    </a:p>
-                  </a:txBody>
-                  <a:tcPr anchor="ctr"/>
-                </a:tc>
-                <a:tc>
-                  <a:txBody>
-                    <a:bodyPr/>
-                    <a:lstStyle/>
-                    <a:p>
-                      <a:pPr algn="ctr"/>
-                      <a:r>
-                        <a:rPr lang="en-US" b="0" dirty="0"/>
-                        <a:t>75</a:t>
-                      </a:r>
-                    </a:p>
-                  </a:txBody>
-                  <a:tcPr anchor="ctr"/>
-                </a:tc>
-                <a:extLst>
-                  <a:ext uri="{0D108BD9-81ED-4DB2-BD59-A6C34878D82A}">
-                    <a16:rowId xmlns:a16="http://schemas.microsoft.com/office/drawing/2014/main" val="85209771"/>
-                  </a:ext>
-                </a:extLst>
-              </a:tr>
-              <a:tr h="511373">
-                <a:tc>
-                  <a:txBody>
-                    <a:bodyPr/>
-                    <a:lstStyle/>
-                    <a:p>
-                      <a:pPr algn="ctr"/>
-                      <a:r>
-                        <a:rPr lang="en-US" b="0" dirty="0"/>
-                        <a:t>Q&amp;A interaction</a:t>
-                      </a:r>
-                    </a:p>
-                  </a:txBody>
-                  <a:tcPr anchor="ctr"/>
-                </a:tc>
-                <a:tc>
-                  <a:txBody>
-                    <a:bodyPr/>
-                    <a:lstStyle/>
-                    <a:p>
-                      <a:pPr algn="ctr"/>
-                      <a:r>
-                        <a:rPr lang="en-US" b="0" dirty="0"/>
-                        <a:t># of questions</a:t>
-                      </a:r>
-                    </a:p>
-                  </a:txBody>
-                  <a:tcPr anchor="ctr"/>
-                </a:tc>
-                <a:tc>
-                  <a:txBody>
-                    <a:bodyPr/>
-                    <a:lstStyle/>
-                    <a:p>
-                      <a:pPr algn="ctr"/>
-                      <a:r>
-                        <a:rPr lang="en-US" b="0" dirty="0"/>
-                        <a:t>10</a:t>
-                      </a:r>
-                    </a:p>
-                  </a:txBody>
-                  <a:tcPr anchor="ctr"/>
-                </a:tc>
-                <a:tc>
-                  <a:txBody>
-                    <a:bodyPr/>
-                    <a:lstStyle/>
-                    <a:p>
-                      <a:pPr algn="ctr"/>
-                      <a:r>
-                        <a:rPr lang="en-US" b="0" dirty="0"/>
-                        <a:t>15</a:t>
-                      </a:r>
-                    </a:p>
-                  </a:txBody>
-                  <a:tcPr anchor="ctr"/>
-                </a:tc>
-                <a:extLst>
-                  <a:ext uri="{0D108BD9-81ED-4DB2-BD59-A6C34878D82A}">
-                    <a16:rowId xmlns:a16="http://schemas.microsoft.com/office/drawing/2014/main" val="4061031278"/>
-                  </a:ext>
-                </a:extLst>
-              </a:tr>
-              <a:tr h="511373">
-                <a:tc>
-                  <a:txBody>
-                    <a:bodyPr/>
-                    <a:lstStyle/>
-                    <a:p>
-                      <a:pPr algn="ctr"/>
-                      <a:r>
-                        <a:rPr lang="en-US" b="0" dirty="0"/>
-                        <a:t>Positive feedback</a:t>
-                      </a:r>
-                    </a:p>
-                  </a:txBody>
-                  <a:tcPr anchor="ctr"/>
-                </a:tc>
-                <a:tc>
-                  <a:txBody>
-                    <a:bodyPr/>
-                    <a:lstStyle/>
-                    <a:p>
-                      <a:pPr algn="ctr"/>
-                      <a:r>
-                        <a:rPr lang="en-US" b="0" dirty="0"/>
-                        <a:t>Percentage (%)</a:t>
-                      </a:r>
-                    </a:p>
-                  </a:txBody>
-                  <a:tcPr anchor="ctr"/>
-                </a:tc>
-                <a:tc>
-                  <a:txBody>
-                    <a:bodyPr/>
-                    <a:lstStyle/>
-                    <a:p>
-                      <a:pPr algn="ctr"/>
-                      <a:r>
-                        <a:rPr lang="en-US" b="0" dirty="0"/>
-                        <a:t>90</a:t>
-                      </a:r>
-                    </a:p>
-                  </a:txBody>
-                  <a:tcPr anchor="ctr"/>
-                </a:tc>
-                <a:tc>
-                  <a:txBody>
-                    <a:bodyPr/>
-                    <a:lstStyle/>
-                    <a:p>
-                      <a:pPr algn="ctr"/>
-                      <a:r>
-                        <a:rPr lang="en-US" b="0" dirty="0"/>
-                        <a:t>95</a:t>
-                      </a:r>
-                    </a:p>
-                  </a:txBody>
-                  <a:tcPr anchor="ctr"/>
-                </a:tc>
-                <a:extLst>
-                  <a:ext uri="{0D108BD9-81ED-4DB2-BD59-A6C34878D82A}">
-                    <a16:rowId xmlns:a16="http://schemas.microsoft.com/office/drawing/2014/main" val="3591840781"/>
-                  </a:ext>
-                </a:extLst>
-              </a:tr>
-              <a:tr h="1012734">
-                <a:tc>
-                  <a:txBody>
-                    <a:bodyPr/>
-                    <a:lstStyle/>
-                    <a:p>
-                      <a:pPr algn="ctr"/>
-                      <a:r>
-                        <a:rPr lang="en-US" b="0" dirty="0"/>
-                        <a:t>Rate of information retention</a:t>
-                      </a:r>
-                    </a:p>
-                  </a:txBody>
-                  <a:tcPr anchor="ctr"/>
-                </a:tc>
-                <a:tc>
-                  <a:txBody>
-                    <a:bodyPr/>
-                    <a:lstStyle/>
-                    <a:p>
-                      <a:pPr algn="ctr"/>
-                      <a:r>
-                        <a:rPr lang="en-US" b="0" dirty="0"/>
-                        <a:t>Percentage (%)</a:t>
-                      </a:r>
-                    </a:p>
-                  </a:txBody>
-                  <a:tcPr anchor="ctr"/>
-                </a:tc>
-                <a:tc>
-                  <a:txBody>
-                    <a:bodyPr/>
-                    <a:lstStyle/>
-                    <a:p>
-                      <a:pPr algn="ctr"/>
-                      <a:r>
-                        <a:rPr lang="en-US" b="0" dirty="0"/>
-                        <a:t>80</a:t>
-                      </a:r>
-                    </a:p>
-                  </a:txBody>
-                  <a:tcPr anchor="ctr"/>
-                </a:tc>
-                <a:tc>
-                  <a:txBody>
-                    <a:bodyPr/>
-                    <a:lstStyle/>
-                    <a:p>
-                      <a:pPr algn="ctr"/>
-                      <a:r>
-                        <a:rPr lang="en-US" b="0" dirty="0"/>
-                        <a:t>85</a:t>
-                      </a:r>
-                    </a:p>
-                  </a:txBody>
-                  <a:tcPr anchor="ctr"/>
-                </a:tc>
-                <a:extLst>
-                  <a:ext uri="{0D108BD9-81ED-4DB2-BD59-A6C34878D82A}">
-                    <a16:rowId xmlns:a16="http://schemas.microsoft.com/office/drawing/2014/main" val="335389741"/>
-                  </a:ext>
-                </a:extLst>
-              </a:tr>
-            </a:tbl>
-          </a:graphicData>
-        </a:graphic>
-      </p:graphicFrame>
-    </p:spTree>
-    <p:extLst>
-      <p:ext uri="{BB962C8B-B14F-4D97-AF65-F5344CB8AC3E}">
-        <p14:creationId xmlns:p14="http://schemas.microsoft.com/office/powerpoint/2010/main" val="4127695141"/>
-      </p:ext>
-    </p:extLst>
-  </p:cSld>
-  <p:clrMapOvr>
-    <a:masterClrMapping/>
-  </p:clrMapOvr>
-</p:sld>
-</file>
-
-<file path=ppt/slides/slide14.xml><?xml version="1.0" encoding="utf-8"?>
-<p:sld xmlns:a="http://schemas.openxmlformats.org/drawingml/2006/main" xmlns:r="http://schemas.openxmlformats.org/officeDocument/2006/relationships" xmlns:p="http://schemas.openxmlformats.org/presentationml/2006/main">
-  <p:cSld>
-    <p:spTree>
-      <p:nvGrpSpPr>
-        <p:cNvPr id="1" name=""/>
-        <p:cNvGrpSpPr/>
-        <p:nvPr/>
-      </p:nvGrpSpPr>
-      <p:grpSpPr>
-        <a:xfrm>
-          <a:off x="0" y="0"/>
-          <a:ext cx="0" cy="0"/>
-          <a:chOff x="0" y="0"/>
-          <a:chExt cx="0" cy="0"/>
-        </a:xfrm>
-      </p:grpSpPr>
-      <p:sp>
-        <p:nvSpPr>
           <p:cNvPr id="2" name="Title 1">
             <a:extLst>
               <a:ext uri="{FF2B5EF4-FFF2-40B4-BE49-F238E27FC236}">
@@ -17173,23 +16535,8 @@
                 <a:ea typeface="Calibri" panose="020F0502020204030204" pitchFamily="34" charset="0"/>
                 <a:cs typeface="Calibri" panose="020F0502020204030204" pitchFamily="34" charset="0"/>
               </a:rPr>
-              <a:t>Traffic Safety is one of the global topic</a:t>
+              <a:t>Traffic Safety is one of the global problem affecting the communities worldwide. Millions of people are impacted by road accidents every year, which leads to serious injuries, casualties and financial expenses.</a:t>
             </a:r>
-          </a:p>
-          <a:p>
-            <a:r>
-              <a:rPr lang="en-US" sz="1600" dirty="0" err="1">
-                <a:latin typeface="Calibri" panose="020F0502020204030204" pitchFamily="34" charset="0"/>
-                <a:ea typeface="Calibri" panose="020F0502020204030204" pitchFamily="34" charset="0"/>
-                <a:cs typeface="Calibri" panose="020F0502020204030204" pitchFamily="34" charset="0"/>
-              </a:rPr>
-              <a:t>vchvshbah</a:t>
-            </a:r>
-            <a:endParaRPr lang="en-US" sz="1600" dirty="0">
-              <a:latin typeface="Calibri" panose="020F0502020204030204" pitchFamily="34" charset="0"/>
-              <a:ea typeface="Calibri" panose="020F0502020204030204" pitchFamily="34" charset="0"/>
-              <a:cs typeface="Calibri" panose="020F0502020204030204" pitchFamily="34" charset="0"/>
-            </a:endParaRPr>
           </a:p>
           <a:p>
             <a:r>
@@ -19445,6 +18792,23 @@
 </file>
 
 <file path=customXml/item1.xml><?xml version="1.0" encoding="utf-8"?>
+<?mso-contentType ?>
+<FormTemplates xmlns="http://schemas.microsoft.com/sharepoint/v3/contenttype/forms">
+  <Display>DocumentLibraryForm</Display>
+  <Edit>DocumentLibraryForm</Edit>
+  <New>DocumentLibraryForm</New>
+</FormTemplates>
+</file>
+
+<file path=customXml/item2.xml><?xml version="1.0" encoding="utf-8"?>
+<p:properties xmlns:p="http://schemas.microsoft.com/office/2006/metadata/properties" xmlns:xsi="http://www.w3.org/2001/XMLSchema-instance" xmlns:pc="http://schemas.microsoft.com/office/infopath/2007/PartnerControls">
+  <documentManagement>
+    <_activity xmlns="74c2638e-70d0-4fe8-b552-da195275d8cd" xsi:nil="true"/>
+  </documentManagement>
+</p:properties>
+</file>
+
+<file path=customXml/item3.xml><?xml version="1.0" encoding="utf-8"?>
 <ct:contentTypeSchema xmlns:ct="http://schemas.microsoft.com/office/2006/metadata/contentType" xmlns:ma="http://schemas.microsoft.com/office/2006/metadata/properties/metaAttributes" ct:_="" ma:_="" ma:contentTypeName="Document" ma:contentTypeID="0x010100BC6DB83D9FC7A74391E0BE5D12855147" ma:contentTypeVersion="13" ma:contentTypeDescription="Create a new document." ma:contentTypeScope="" ma:versionID="789e416ea29131618a1025c40b3f7a1e">
   <xsd:schema xmlns:xsd="http://www.w3.org/2001/XMLSchema" xmlns:xs="http://www.w3.org/2001/XMLSchema" xmlns:p="http://schemas.microsoft.com/office/2006/metadata/properties" xmlns:ns3="74c2638e-70d0-4fe8-b552-da195275d8cd" xmlns:ns4="999a2e79-bbf5-40ba-9443-edc7e862ecee" targetNamespace="http://schemas.microsoft.com/office/2006/metadata/properties" ma:root="true" ma:fieldsID="ef45b31c2df87227c8fb8434630cb149" ns3:_="" ns4:_="">
     <xsd:import namespace="74c2638e-70d0-4fe8-b552-da195275d8cd"/>
@@ -19663,38 +19027,10 @@
 </ct:contentTypeSchema>
 </file>
 
-<file path=customXml/item2.xml><?xml version="1.0" encoding="utf-8"?>
-<p:properties xmlns:p="http://schemas.microsoft.com/office/2006/metadata/properties" xmlns:xsi="http://www.w3.org/2001/XMLSchema-instance" xmlns:pc="http://schemas.microsoft.com/office/infopath/2007/PartnerControls">
-  <documentManagement>
-    <_activity xmlns="74c2638e-70d0-4fe8-b552-da195275d8cd" xsi:nil="true"/>
-  </documentManagement>
-</p:properties>
-</file>
-
-<file path=customXml/item3.xml><?xml version="1.0" encoding="utf-8"?>
-<?mso-contentType ?>
-<FormTemplates xmlns="http://schemas.microsoft.com/sharepoint/v3/contenttype/forms">
-  <Display>DocumentLibraryForm</Display>
-  <Edit>DocumentLibraryForm</Edit>
-  <New>DocumentLibraryForm</New>
-</FormTemplates>
-</file>
-
 <file path=customXml/itemProps1.xml><?xml version="1.0" encoding="utf-8"?>
-<ds:datastoreItem xmlns:ds="http://schemas.openxmlformats.org/officeDocument/2006/customXml" ds:itemID="{DB9BCEC9-5DB3-43DF-9C0D-EBF5B32D714E}">
+<ds:datastoreItem xmlns:ds="http://schemas.openxmlformats.org/officeDocument/2006/customXml" ds:itemID="{C21FFAC0-05A2-416A-B06C-C248395482CF}">
   <ds:schemaRefs>
-    <ds:schemaRef ds:uri="http://schemas.microsoft.com/office/2006/metadata/contentType"/>
-    <ds:schemaRef ds:uri="http://schemas.microsoft.com/office/2006/metadata/properties/metaAttributes"/>
-    <ds:schemaRef ds:uri="http://www.w3.org/2001/XMLSchema"/>
-    <ds:schemaRef ds:uri="http://schemas.microsoft.com/office/2006/metadata/properties"/>
-    <ds:schemaRef ds:uri="74c2638e-70d0-4fe8-b552-da195275d8cd"/>
-    <ds:schemaRef ds:uri="999a2e79-bbf5-40ba-9443-edc7e862ecee"/>
-    <ds:schemaRef ds:uri="http://schemas.microsoft.com/office/2006/documentManagement/types"/>
-    <ds:schemaRef ds:uri="http://schemas.microsoft.com/office/infopath/2007/PartnerControls"/>
-    <ds:schemaRef ds:uri="http://schemas.openxmlformats.org/package/2006/metadata/core-properties"/>
-    <ds:schemaRef ds:uri="http://purl.org/dc/elements/1.1/"/>
-    <ds:schemaRef ds:uri="http://purl.org/dc/terms/"/>
-    <ds:schemaRef ds:uri="http://schemas.microsoft.com/internal/obd"/>
+    <ds:schemaRef ds:uri="http://schemas.microsoft.com/sharepoint/v3/contenttype/forms"/>
   </ds:schemaRefs>
 </ds:datastoreItem>
 </file>
@@ -19717,9 +19053,20 @@
 </file>
 
 <file path=customXml/itemProps3.xml><?xml version="1.0" encoding="utf-8"?>
-<ds:datastoreItem xmlns:ds="http://schemas.openxmlformats.org/officeDocument/2006/customXml" ds:itemID="{C21FFAC0-05A2-416A-B06C-C248395482CF}">
+<ds:datastoreItem xmlns:ds="http://schemas.openxmlformats.org/officeDocument/2006/customXml" ds:itemID="{DB9BCEC9-5DB3-43DF-9C0D-EBF5B32D714E}">
   <ds:schemaRefs>
-    <ds:schemaRef ds:uri="http://schemas.microsoft.com/sharepoint/v3/contenttype/forms"/>
+    <ds:schemaRef ds:uri="http://schemas.microsoft.com/office/2006/metadata/contentType"/>
+    <ds:schemaRef ds:uri="http://schemas.microsoft.com/office/2006/metadata/properties/metaAttributes"/>
+    <ds:schemaRef ds:uri="http://www.w3.org/2001/XMLSchema"/>
+    <ds:schemaRef ds:uri="http://schemas.microsoft.com/office/2006/metadata/properties"/>
+    <ds:schemaRef ds:uri="74c2638e-70d0-4fe8-b552-da195275d8cd"/>
+    <ds:schemaRef ds:uri="999a2e79-bbf5-40ba-9443-edc7e862ecee"/>
+    <ds:schemaRef ds:uri="http://schemas.microsoft.com/office/2006/documentManagement/types"/>
+    <ds:schemaRef ds:uri="http://schemas.microsoft.com/office/infopath/2007/PartnerControls"/>
+    <ds:schemaRef ds:uri="http://schemas.openxmlformats.org/package/2006/metadata/core-properties"/>
+    <ds:schemaRef ds:uri="http://purl.org/dc/elements/1.1/"/>
+    <ds:schemaRef ds:uri="http://purl.org/dc/terms/"/>
+    <ds:schemaRef ds:uri="http://schemas.microsoft.com/internal/obd"/>
   </ds:schemaRefs>
 </ds:datastoreItem>
 </file>

--- a/TeamI.pptx
+++ b/TeamI.pptx
@@ -5876,7 +5876,7 @@
           <a:p>
             <a:fld id="{1EBEDD12-BCD5-485B-BCBC-34BB01D7923C}" type="datetimeFigureOut">
               <a:rPr lang="en-US" smtClean="0"/>
-              <a:t>4/27/2024</a:t>
+              <a:t>4/28/2024</a:t>
             </a:fld>
             <a:endParaRPr lang="en-US" dirty="0"/>
           </a:p>
@@ -6090,7 +6090,7 @@
           <a:p>
             <a:fld id="{6EE7A52F-9D89-7442-A8E9-48D1527B5F6B}" type="datetimeFigureOut">
               <a:rPr lang="en-US" smtClean="0"/>
-              <a:t>4/27/2024</a:t>
+              <a:t>4/28/2024</a:t>
             </a:fld>
             <a:endParaRPr lang="en-US" dirty="0"/>
           </a:p>
@@ -15692,7 +15692,12 @@
             <p:ph type="title"/>
           </p:nvPr>
         </p:nvSpPr>
-        <p:spPr/>
+        <p:spPr>
+          <a:xfrm>
+            <a:off x="56098" y="94323"/>
+            <a:ext cx="5844540" cy="648628"/>
+          </a:xfrm>
+        </p:spPr>
         <p:txBody>
           <a:bodyPr anchor="b">
             <a:normAutofit/>
@@ -15706,71 +15711,177 @@
           </a:p>
         </p:txBody>
       </p:sp>
-      <p:sp>
-        <p:nvSpPr>
-          <p:cNvPr id="3" name="Content Placeholder 2">
+      <p:grpSp>
+        <p:nvGrpSpPr>
+          <p:cNvPr id="16" name="Group 15">
             <a:extLst>
               <a:ext uri="{FF2B5EF4-FFF2-40B4-BE49-F238E27FC236}">
-                <a16:creationId xmlns:a16="http://schemas.microsoft.com/office/drawing/2014/main" id="{DB097449-5B72-ADA0-3B2D-1CBC160D6B90}"/>
+                <a16:creationId xmlns:a16="http://schemas.microsoft.com/office/drawing/2014/main" id="{167B72AA-1847-1835-4826-394799472335}"/>
               </a:ext>
             </a:extLst>
           </p:cNvPr>
-          <p:cNvSpPr>
-            <a:spLocks noGrp="1"/>
-          </p:cNvSpPr>
-          <p:nvPr>
-            <p:ph sz="quarter" idx="13"/>
-          </p:nvPr>
-        </p:nvSpPr>
-        <p:spPr/>
-        <p:txBody>
-          <a:bodyPr>
-            <a:normAutofit/>
-          </a:bodyPr>
-          <a:lstStyle/>
-          <a:p>
-            <a:r>
-              <a:rPr lang="en-US" sz="1300"/>
-              <a:t>The datasets used captures the details of all the traffic collisions occurring within the county of Montgomery which is collected with the help of Automated Crash Reporting System (ACRS) of the Maryland state police and reported by Montgomery County Police, Gaithersburg Police, Rockville Police, or the Maryland-National Capital Park Police :</a:t>
-            </a:r>
-          </a:p>
-          <a:p>
-            <a:pPr lvl="1"/>
-            <a:r>
-              <a:rPr lang="en-US" sz="1300"/>
-              <a:t>Drivers' dataset keeps the track of each collisions recorded alongside the drivers involved in the incidents.</a:t>
-            </a:r>
-          </a:p>
-          <a:p>
-            <a:pPr lvl="1"/>
-            <a:r>
-              <a:rPr lang="en-US" sz="1300"/>
-              <a:t>It comprises of total 172K number of rows and 43 columns.</a:t>
-            </a:r>
-          </a:p>
-          <a:p>
-            <a:pPr lvl="1"/>
-            <a:r>
-              <a:rPr lang="en-US" sz="1300"/>
-              <a:t>Incidents dataset provide the in general information about each collision with detail of all traffic collisions occurring on county and local roadways within the county.</a:t>
-            </a:r>
-          </a:p>
-          <a:p>
-            <a:pPr lvl="1"/>
-            <a:r>
-              <a:rPr lang="en-US" sz="1300"/>
-              <a:t>As for the Incidents dataset, it had 97.5K rows and 44 columns.</a:t>
-            </a:r>
-          </a:p>
-          <a:p>
-            <a:pPr lvl="1"/>
-            <a:r>
-              <a:rPr lang="en-US" sz="1300"/>
-              <a:t>Non-Motorists datasets records the information about the pedestrians and cyclists involved  in the traffic collisions  occurring on the county and local roadways with 5650 number of rows and 32 features.</a:t>
-            </a:r>
-          </a:p>
-        </p:txBody>
-      </p:sp>
+          <p:cNvGrpSpPr/>
+          <p:nvPr/>
+        </p:nvGrpSpPr>
+        <p:grpSpPr>
+          <a:xfrm>
+            <a:off x="568250" y="742951"/>
+            <a:ext cx="11113677" cy="5760486"/>
+            <a:chOff x="1147863" y="120588"/>
+            <a:chExt cx="10381114" cy="6546982"/>
+          </a:xfrm>
+        </p:grpSpPr>
+        <p:pic>
+          <p:nvPicPr>
+            <p:cNvPr id="7" name="Picture 6">
+              <a:extLst>
+                <a:ext uri="{FF2B5EF4-FFF2-40B4-BE49-F238E27FC236}">
+                  <a16:creationId xmlns:a16="http://schemas.microsoft.com/office/drawing/2014/main" id="{A9205F48-9FA7-D02D-5F18-0A9E9D005733}"/>
+                </a:ext>
+              </a:extLst>
+            </p:cNvPr>
+            <p:cNvPicPr>
+              <a:picLocks noChangeAspect="1"/>
+            </p:cNvPicPr>
+            <p:nvPr/>
+          </p:nvPicPr>
+          <p:blipFill>
+            <a:blip r:embed="rId3"/>
+            <a:stretch>
+              <a:fillRect/>
+            </a:stretch>
+          </p:blipFill>
+          <p:spPr>
+            <a:xfrm>
+              <a:off x="1470439" y="3691922"/>
+              <a:ext cx="2790235" cy="2975648"/>
+            </a:xfrm>
+            <a:prstGeom prst="rect">
+              <a:avLst/>
+            </a:prstGeom>
+          </p:spPr>
+        </p:pic>
+        <p:pic>
+          <p:nvPicPr>
+            <p:cNvPr id="9" name="Picture 8">
+              <a:extLst>
+                <a:ext uri="{FF2B5EF4-FFF2-40B4-BE49-F238E27FC236}">
+                  <a16:creationId xmlns:a16="http://schemas.microsoft.com/office/drawing/2014/main" id="{78566738-3355-B168-CDA5-F440685676CD}"/>
+                </a:ext>
+              </a:extLst>
+            </p:cNvPr>
+            <p:cNvPicPr>
+              <a:picLocks noChangeAspect="1"/>
+            </p:cNvPicPr>
+            <p:nvPr/>
+          </p:nvPicPr>
+          <p:blipFill>
+            <a:blip r:embed="rId4"/>
+            <a:stretch>
+              <a:fillRect/>
+            </a:stretch>
+          </p:blipFill>
+          <p:spPr>
+            <a:xfrm>
+              <a:off x="1147863" y="120588"/>
+              <a:ext cx="4948137" cy="3593235"/>
+            </a:xfrm>
+            <a:prstGeom prst="rect">
+              <a:avLst/>
+            </a:prstGeom>
+          </p:spPr>
+        </p:pic>
+        <p:pic>
+          <p:nvPicPr>
+            <p:cNvPr id="11" name="Picture 10">
+              <a:extLst>
+                <a:ext uri="{FF2B5EF4-FFF2-40B4-BE49-F238E27FC236}">
+                  <a16:creationId xmlns:a16="http://schemas.microsoft.com/office/drawing/2014/main" id="{46B84499-CAC2-0F2C-C4A1-2855AE4E21D7}"/>
+                </a:ext>
+              </a:extLst>
+            </p:cNvPr>
+            <p:cNvPicPr>
+              <a:picLocks noChangeAspect="1"/>
+            </p:cNvPicPr>
+            <p:nvPr/>
+          </p:nvPicPr>
+          <p:blipFill>
+            <a:blip r:embed="rId5"/>
+            <a:stretch>
+              <a:fillRect/>
+            </a:stretch>
+          </p:blipFill>
+          <p:spPr>
+            <a:xfrm>
+              <a:off x="4583249" y="3353201"/>
+              <a:ext cx="2790235" cy="2886601"/>
+            </a:xfrm>
+            <a:prstGeom prst="rect">
+              <a:avLst/>
+            </a:prstGeom>
+          </p:spPr>
+        </p:pic>
+        <p:pic>
+          <p:nvPicPr>
+            <p:cNvPr id="13" name="Picture 12">
+              <a:extLst>
+                <a:ext uri="{FF2B5EF4-FFF2-40B4-BE49-F238E27FC236}">
+                  <a16:creationId xmlns:a16="http://schemas.microsoft.com/office/drawing/2014/main" id="{C8478842-327D-C650-D5D8-F7193201D6BD}"/>
+                </a:ext>
+              </a:extLst>
+            </p:cNvPr>
+            <p:cNvPicPr>
+              <a:picLocks noChangeAspect="1"/>
+            </p:cNvPicPr>
+            <p:nvPr/>
+          </p:nvPicPr>
+          <p:blipFill>
+            <a:blip r:embed="rId6"/>
+            <a:stretch>
+              <a:fillRect/>
+            </a:stretch>
+          </p:blipFill>
+          <p:spPr>
+            <a:xfrm>
+              <a:off x="7461026" y="2763633"/>
+              <a:ext cx="3980409" cy="3170442"/>
+            </a:xfrm>
+            <a:prstGeom prst="rect">
+              <a:avLst/>
+            </a:prstGeom>
+          </p:spPr>
+        </p:pic>
+        <p:pic>
+          <p:nvPicPr>
+            <p:cNvPr id="15" name="Picture 14">
+              <a:extLst>
+                <a:ext uri="{FF2B5EF4-FFF2-40B4-BE49-F238E27FC236}">
+                  <a16:creationId xmlns:a16="http://schemas.microsoft.com/office/drawing/2014/main" id="{9E03E883-2FC8-791B-02E4-282037891435}"/>
+                </a:ext>
+              </a:extLst>
+            </p:cNvPr>
+            <p:cNvPicPr>
+              <a:picLocks noChangeAspect="1"/>
+            </p:cNvPicPr>
+            <p:nvPr/>
+          </p:nvPicPr>
+          <p:blipFill>
+            <a:blip r:embed="rId7"/>
+            <a:stretch>
+              <a:fillRect/>
+            </a:stretch>
+          </p:blipFill>
+          <p:spPr>
+            <a:xfrm>
+              <a:off x="6096000" y="120588"/>
+              <a:ext cx="5432977" cy="2886601"/>
+            </a:xfrm>
+            <a:prstGeom prst="rect">
+              <a:avLst/>
+            </a:prstGeom>
+          </p:spPr>
+        </p:pic>
+      </p:grpSp>
     </p:spTree>
     <p:extLst>
       <p:ext uri="{BB962C8B-B14F-4D97-AF65-F5344CB8AC3E}">
@@ -17613,10 +17724,10 @@
       </p:sp>
       <p:pic>
         <p:nvPicPr>
-          <p:cNvPr id="7" name="Picture 6">
+          <p:cNvPr id="4" name="Picture 3">
             <a:extLst>
               <a:ext uri="{FF2B5EF4-FFF2-40B4-BE49-F238E27FC236}">
-                <a16:creationId xmlns:a16="http://schemas.microsoft.com/office/drawing/2014/main" id="{3F6C5D5F-0030-E68C-4957-DD7D1E174056}"/>
+                <a16:creationId xmlns:a16="http://schemas.microsoft.com/office/drawing/2014/main" id="{D64FBC41-05DA-EC74-519C-2BCA77B1761D}"/>
               </a:ext>
             </a:extLst>
           </p:cNvPr>
@@ -17633,8 +17744,8 @@
         </p:blipFill>
         <p:spPr>
           <a:xfrm>
-            <a:off x="594360" y="1623816"/>
-            <a:ext cx="11182350" cy="4765084"/>
+            <a:off x="594360" y="1321910"/>
+            <a:ext cx="11264848" cy="5333690"/>
           </a:xfrm>
           <a:prstGeom prst="rect">
             <a:avLst/>
@@ -17689,8 +17800,8 @@
         </p:nvSpPr>
         <p:spPr>
           <a:xfrm>
-            <a:off x="6318885" y="3499667"/>
-            <a:ext cx="4939666" cy="2542810"/>
+            <a:off x="6356207" y="5421085"/>
+            <a:ext cx="4939666" cy="705367"/>
           </a:xfrm>
         </p:spPr>
         <p:txBody>
@@ -17700,114 +17811,6 @@
             <a:r>
               <a:rPr lang="en-US" dirty="0"/>
               <a:t>Drivers Insights</a:t>
-            </a:r>
-          </a:p>
-        </p:txBody>
-      </p:sp>
-      <p:sp>
-        <p:nvSpPr>
-          <p:cNvPr id="4" name="Content Placeholder 3">
-            <a:extLst>
-              <a:ext uri="{FF2B5EF4-FFF2-40B4-BE49-F238E27FC236}">
-                <a16:creationId xmlns:a16="http://schemas.microsoft.com/office/drawing/2014/main" id="{07C3632C-2D2E-7026-33B8-EE42DA4BDB5C}"/>
-              </a:ext>
-            </a:extLst>
-          </p:cNvPr>
-          <p:cNvSpPr>
-            <a:spLocks noGrp="1"/>
-          </p:cNvSpPr>
-          <p:nvPr>
-            <p:ph sz="quarter" idx="14"/>
-          </p:nvPr>
-        </p:nvSpPr>
-        <p:spPr>
-          <a:xfrm>
-            <a:off x="603885" y="457201"/>
-            <a:ext cx="5198269" cy="2305050"/>
-          </a:xfrm>
-        </p:spPr>
-        <p:txBody>
-          <a:bodyPr/>
-          <a:lstStyle/>
-          <a:p>
-            <a:r>
-              <a:rPr lang="en-US" dirty="0"/>
-              <a:t>Know your material in advance</a:t>
-            </a:r>
-          </a:p>
-          <a:p>
-            <a:r>
-              <a:rPr lang="en-US" dirty="0"/>
-              <a:t>Anticipate common questions</a:t>
-            </a:r>
-          </a:p>
-          <a:p>
-            <a:r>
-              <a:rPr lang="en-US" dirty="0"/>
-              <a:t>Rehearse your responses</a:t>
-            </a:r>
-          </a:p>
-        </p:txBody>
-      </p:sp>
-      <p:sp>
-        <p:nvSpPr>
-          <p:cNvPr id="3" name="Content Placeholder 2">
-            <a:extLst>
-              <a:ext uri="{FF2B5EF4-FFF2-40B4-BE49-F238E27FC236}">
-                <a16:creationId xmlns:a16="http://schemas.microsoft.com/office/drawing/2014/main" id="{8B599B60-BF79-A832-6AD4-6C6FC6CE4317}"/>
-              </a:ext>
-            </a:extLst>
-          </p:cNvPr>
-          <p:cNvSpPr>
-            <a:spLocks noGrp="1"/>
-          </p:cNvSpPr>
-          <p:nvPr>
-            <p:ph sz="quarter" idx="15"/>
-          </p:nvPr>
-        </p:nvSpPr>
-        <p:spPr>
-          <a:xfrm>
-            <a:off x="594360" y="2810595"/>
-            <a:ext cx="5198269" cy="3319513"/>
-          </a:xfrm>
-        </p:spPr>
-        <p:txBody>
-          <a:bodyPr>
-            <a:normAutofit/>
-          </a:bodyPr>
-          <a:lstStyle/>
-          <a:p>
-            <a:r>
-              <a:rPr lang="en-US" dirty="0"/>
-              <a:t>Maintaining composure during the Q&amp;A session is essential for projecting confidence and authority. Consider the following tips for staying composed:</a:t>
-            </a:r>
-          </a:p>
-          <a:p>
-            <a:pPr lvl="1"/>
-            <a:r>
-              <a:rPr lang="en-US" dirty="0"/>
-              <a:t>Stay calm</a:t>
-            </a:r>
-          </a:p>
-          <a:p>
-            <a:pPr lvl="1"/>
-            <a:r>
-              <a:rPr lang="en-US" dirty="0"/>
-              <a:t>Actively listen</a:t>
-            </a:r>
-          </a:p>
-          <a:p>
-            <a:pPr lvl="1"/>
-            <a:r>
-              <a:rPr lang="en-US" dirty="0"/>
-              <a:t>Pause and reflect</a:t>
-            </a:r>
-          </a:p>
-          <a:p>
-            <a:pPr lvl="1"/>
-            <a:r>
-              <a:rPr lang="en-US" dirty="0"/>
-              <a:t>Maintain eye contact</a:t>
             </a:r>
           </a:p>
         </p:txBody>
@@ -17873,116 +17876,6 @@
             <a:r>
               <a:rPr lang="en-US" dirty="0"/>
               <a:t>Non-Motorists Insights</a:t>
-            </a:r>
-          </a:p>
-        </p:txBody>
-      </p:sp>
-      <p:sp>
-        <p:nvSpPr>
-          <p:cNvPr id="3" name="Content Placeholder 2">
-            <a:extLst>
-              <a:ext uri="{FF2B5EF4-FFF2-40B4-BE49-F238E27FC236}">
-                <a16:creationId xmlns:a16="http://schemas.microsoft.com/office/drawing/2014/main" id="{8B599B60-BF79-A832-6AD4-6C6FC6CE4317}"/>
-              </a:ext>
-            </a:extLst>
-          </p:cNvPr>
-          <p:cNvSpPr>
-            <a:spLocks noGrp="1"/>
-          </p:cNvSpPr>
-          <p:nvPr>
-            <p:ph sz="quarter" idx="14"/>
-          </p:nvPr>
-        </p:nvSpPr>
-        <p:spPr>
-          <a:xfrm>
-            <a:off x="603885" y="584005"/>
-            <a:ext cx="2825115" cy="3999060"/>
-          </a:xfrm>
-        </p:spPr>
-        <p:txBody>
-          <a:bodyPr>
-            <a:normAutofit/>
-          </a:bodyPr>
-          <a:lstStyle/>
-          <a:p>
-            <a:r>
-              <a:rPr lang="en-US" sz="1900"/>
-              <a:t>Maintaining composure during the Q&amp;A session is essential for projecting confidence and authority. Consider the following tips for staying composed:</a:t>
-            </a:r>
-          </a:p>
-          <a:p>
-            <a:pPr lvl="1"/>
-            <a:r>
-              <a:rPr lang="en-US" sz="1900"/>
-              <a:t>Stay calm</a:t>
-            </a:r>
-          </a:p>
-          <a:p>
-            <a:pPr lvl="1"/>
-            <a:r>
-              <a:rPr lang="en-US" sz="1900"/>
-              <a:t>Actively listen</a:t>
-            </a:r>
-          </a:p>
-          <a:p>
-            <a:pPr lvl="1"/>
-            <a:r>
-              <a:rPr lang="en-US" sz="1900"/>
-              <a:t>Pause and reflect</a:t>
-            </a:r>
-          </a:p>
-          <a:p>
-            <a:pPr lvl="1"/>
-            <a:r>
-              <a:rPr lang="en-US" sz="1900"/>
-              <a:t>Maintain eye contact</a:t>
-            </a:r>
-          </a:p>
-        </p:txBody>
-      </p:sp>
-      <p:sp>
-        <p:nvSpPr>
-          <p:cNvPr id="4" name="Content Placeholder 3">
-            <a:extLst>
-              <a:ext uri="{FF2B5EF4-FFF2-40B4-BE49-F238E27FC236}">
-                <a16:creationId xmlns:a16="http://schemas.microsoft.com/office/drawing/2014/main" id="{07C3632C-2D2E-7026-33B8-EE42DA4BDB5C}"/>
-              </a:ext>
-            </a:extLst>
-          </p:cNvPr>
-          <p:cNvSpPr>
-            <a:spLocks noGrp="1"/>
-          </p:cNvSpPr>
-          <p:nvPr>
-            <p:ph sz="quarter" idx="13"/>
-          </p:nvPr>
-        </p:nvSpPr>
-        <p:spPr>
-          <a:xfrm>
-            <a:off x="3670934" y="584005"/>
-            <a:ext cx="7926705" cy="3999060"/>
-          </a:xfrm>
-        </p:spPr>
-        <p:txBody>
-          <a:bodyPr>
-            <a:normAutofit/>
-          </a:bodyPr>
-          <a:lstStyle/>
-          <a:p>
-            <a:r>
-              <a:rPr lang="en-US" dirty="0"/>
-              <a:t>Know your material in advance</a:t>
-            </a:r>
-          </a:p>
-          <a:p>
-            <a:r>
-              <a:rPr lang="en-US" dirty="0"/>
-              <a:t>Anticipate common questions</a:t>
-            </a:r>
-          </a:p>
-          <a:p>
-            <a:r>
-              <a:rPr lang="en-US" dirty="0"/>
-              <a:t>Rehearse your responses</a:t>
             </a:r>
           </a:p>
         </p:txBody>
@@ -18792,23 +18685,6 @@
 </file>
 
 <file path=customXml/item1.xml><?xml version="1.0" encoding="utf-8"?>
-<?mso-contentType ?>
-<FormTemplates xmlns="http://schemas.microsoft.com/sharepoint/v3/contenttype/forms">
-  <Display>DocumentLibraryForm</Display>
-  <Edit>DocumentLibraryForm</Edit>
-  <New>DocumentLibraryForm</New>
-</FormTemplates>
-</file>
-
-<file path=customXml/item2.xml><?xml version="1.0" encoding="utf-8"?>
-<p:properties xmlns:p="http://schemas.microsoft.com/office/2006/metadata/properties" xmlns:xsi="http://www.w3.org/2001/XMLSchema-instance" xmlns:pc="http://schemas.microsoft.com/office/infopath/2007/PartnerControls">
-  <documentManagement>
-    <_activity xmlns="74c2638e-70d0-4fe8-b552-da195275d8cd" xsi:nil="true"/>
-  </documentManagement>
-</p:properties>
-</file>
-
-<file path=customXml/item3.xml><?xml version="1.0" encoding="utf-8"?>
 <ct:contentTypeSchema xmlns:ct="http://schemas.microsoft.com/office/2006/metadata/contentType" xmlns:ma="http://schemas.microsoft.com/office/2006/metadata/properties/metaAttributes" ct:_="" ma:_="" ma:contentTypeName="Document" ma:contentTypeID="0x010100BC6DB83D9FC7A74391E0BE5D12855147" ma:contentTypeVersion="13" ma:contentTypeDescription="Create a new document." ma:contentTypeScope="" ma:versionID="789e416ea29131618a1025c40b3f7a1e">
   <xsd:schema xmlns:xsd="http://www.w3.org/2001/XMLSchema" xmlns:xs="http://www.w3.org/2001/XMLSchema" xmlns:p="http://schemas.microsoft.com/office/2006/metadata/properties" xmlns:ns3="74c2638e-70d0-4fe8-b552-da195275d8cd" xmlns:ns4="999a2e79-bbf5-40ba-9443-edc7e862ecee" targetNamespace="http://schemas.microsoft.com/office/2006/metadata/properties" ma:root="true" ma:fieldsID="ef45b31c2df87227c8fb8434630cb149" ns3:_="" ns4:_="">
     <xsd:import namespace="74c2638e-70d0-4fe8-b552-da195275d8cd"/>
@@ -19027,10 +18903,38 @@
 </ct:contentTypeSchema>
 </file>
 
+<file path=customXml/item2.xml><?xml version="1.0" encoding="utf-8"?>
+<p:properties xmlns:p="http://schemas.microsoft.com/office/2006/metadata/properties" xmlns:xsi="http://www.w3.org/2001/XMLSchema-instance" xmlns:pc="http://schemas.microsoft.com/office/infopath/2007/PartnerControls">
+  <documentManagement>
+    <_activity xmlns="74c2638e-70d0-4fe8-b552-da195275d8cd" xsi:nil="true"/>
+  </documentManagement>
+</p:properties>
+</file>
+
+<file path=customXml/item3.xml><?xml version="1.0" encoding="utf-8"?>
+<?mso-contentType ?>
+<FormTemplates xmlns="http://schemas.microsoft.com/sharepoint/v3/contenttype/forms">
+  <Display>DocumentLibraryForm</Display>
+  <Edit>DocumentLibraryForm</Edit>
+  <New>DocumentLibraryForm</New>
+</FormTemplates>
+</file>
+
 <file path=customXml/itemProps1.xml><?xml version="1.0" encoding="utf-8"?>
-<ds:datastoreItem xmlns:ds="http://schemas.openxmlformats.org/officeDocument/2006/customXml" ds:itemID="{C21FFAC0-05A2-416A-B06C-C248395482CF}">
+<ds:datastoreItem xmlns:ds="http://schemas.openxmlformats.org/officeDocument/2006/customXml" ds:itemID="{DB9BCEC9-5DB3-43DF-9C0D-EBF5B32D714E}">
   <ds:schemaRefs>
-    <ds:schemaRef ds:uri="http://schemas.microsoft.com/sharepoint/v3/contenttype/forms"/>
+    <ds:schemaRef ds:uri="http://schemas.microsoft.com/office/2006/metadata/contentType"/>
+    <ds:schemaRef ds:uri="http://schemas.microsoft.com/office/2006/metadata/properties/metaAttributes"/>
+    <ds:schemaRef ds:uri="http://www.w3.org/2001/XMLSchema"/>
+    <ds:schemaRef ds:uri="http://schemas.microsoft.com/office/2006/metadata/properties"/>
+    <ds:schemaRef ds:uri="74c2638e-70d0-4fe8-b552-da195275d8cd"/>
+    <ds:schemaRef ds:uri="999a2e79-bbf5-40ba-9443-edc7e862ecee"/>
+    <ds:schemaRef ds:uri="http://schemas.microsoft.com/office/2006/documentManagement/types"/>
+    <ds:schemaRef ds:uri="http://schemas.microsoft.com/office/infopath/2007/PartnerControls"/>
+    <ds:schemaRef ds:uri="http://schemas.openxmlformats.org/package/2006/metadata/core-properties"/>
+    <ds:schemaRef ds:uri="http://purl.org/dc/elements/1.1/"/>
+    <ds:schemaRef ds:uri="http://purl.org/dc/terms/"/>
+    <ds:schemaRef ds:uri="http://schemas.microsoft.com/internal/obd"/>
   </ds:schemaRefs>
 </ds:datastoreItem>
 </file>
@@ -19053,20 +18957,9 @@
 </file>
 
 <file path=customXml/itemProps3.xml><?xml version="1.0" encoding="utf-8"?>
-<ds:datastoreItem xmlns:ds="http://schemas.openxmlformats.org/officeDocument/2006/customXml" ds:itemID="{DB9BCEC9-5DB3-43DF-9C0D-EBF5B32D714E}">
+<ds:datastoreItem xmlns:ds="http://schemas.openxmlformats.org/officeDocument/2006/customXml" ds:itemID="{C21FFAC0-05A2-416A-B06C-C248395482CF}">
   <ds:schemaRefs>
-    <ds:schemaRef ds:uri="http://schemas.microsoft.com/office/2006/metadata/contentType"/>
-    <ds:schemaRef ds:uri="http://schemas.microsoft.com/office/2006/metadata/properties/metaAttributes"/>
-    <ds:schemaRef ds:uri="http://www.w3.org/2001/XMLSchema"/>
-    <ds:schemaRef ds:uri="http://schemas.microsoft.com/office/2006/metadata/properties"/>
-    <ds:schemaRef ds:uri="74c2638e-70d0-4fe8-b552-da195275d8cd"/>
-    <ds:schemaRef ds:uri="999a2e79-bbf5-40ba-9443-edc7e862ecee"/>
-    <ds:schemaRef ds:uri="http://schemas.microsoft.com/office/2006/documentManagement/types"/>
-    <ds:schemaRef ds:uri="http://schemas.microsoft.com/office/infopath/2007/PartnerControls"/>
-    <ds:schemaRef ds:uri="http://schemas.openxmlformats.org/package/2006/metadata/core-properties"/>
-    <ds:schemaRef ds:uri="http://purl.org/dc/elements/1.1/"/>
-    <ds:schemaRef ds:uri="http://purl.org/dc/terms/"/>
-    <ds:schemaRef ds:uri="http://schemas.microsoft.com/internal/obd"/>
+    <ds:schemaRef ds:uri="http://schemas.microsoft.com/sharepoint/v3/contenttype/forms"/>
   </ds:schemaRefs>
 </ds:datastoreItem>
 </file>

--- a/TeamI.pptx
+++ b/TeamI.pptx
@@ -2065,9 +2065,9 @@
     <dgm:cxn modelId="{5BB16021-90FE-46D0-BC38-9EBFCA30150F}" type="presOf" srcId="{3EE09EF8-1037-4AE6-8773-7CCA7CFCD45F}" destId="{C272EF8A-4BBF-4D16-A876-A0182DFCD779}" srcOrd="0" destOrd="0" presId="urn:microsoft.com/office/officeart/2005/8/layout/vList2"/>
     <dgm:cxn modelId="{C256EB35-6314-4038-BEB1-95EDD0ADAD25}" type="presOf" srcId="{CAA280DD-2BB8-45C4-B032-EE6227826235}" destId="{CF3BC6F1-31A4-4665-8947-F336534D6969}" srcOrd="0" destOrd="0" presId="urn:microsoft.com/office/officeart/2005/8/layout/vList2"/>
     <dgm:cxn modelId="{5A1BD237-316D-46FA-85BF-5C47136579B0}" type="presOf" srcId="{B1103749-B44A-4CAE-BE6C-53453A96C0D9}" destId="{453DDEA1-8A02-4307-A353-90CB99BFCEFB}" srcOrd="0" destOrd="0" presId="urn:microsoft.com/office/officeart/2005/8/layout/vList2"/>
-    <dgm:cxn modelId="{8944425D-0606-4430-B32B-B033E8B80CF0}" srcId="{4721A7DB-C6F6-40C1-A8D2-895EA272182B}" destId="{E9E7C163-943B-4DAE-A87B-F8A1EFC1AF0A}" srcOrd="4" destOrd="0" parTransId="{0C8F2AA9-8FDF-4E76-BC94-5E9E6D5A3C7C}" sibTransId="{0674D0BC-79B7-48CB-A2FB-A9D9622693E3}"/>
     <dgm:cxn modelId="{7F151C49-5970-4E62-871D-6F862FD85F46}" srcId="{4721A7DB-C6F6-40C1-A8D2-895EA272182B}" destId="{3EE09EF8-1037-4AE6-8773-7CCA7CFCD45F}" srcOrd="6" destOrd="0" parTransId="{3481815E-B64C-41F0-9A7C-7E7E6D702994}" sibTransId="{4D473EC3-42CD-458F-93EE-611F803F4B29}"/>
     <dgm:cxn modelId="{E69DDD51-50E0-4EAD-81EF-C3613B17B551}" srcId="{4721A7DB-C6F6-40C1-A8D2-895EA272182B}" destId="{CAA280DD-2BB8-45C4-B032-EE6227826235}" srcOrd="7" destOrd="0" parTransId="{BF73BCFE-E312-4B4E-A1E6-6951ABAFA8B2}" sibTransId="{10FEE7E6-4BF8-487C-BCA0-CA6185218ED7}"/>
+    <dgm:cxn modelId="{8944425D-0606-4430-B32B-B033E8B80CF0}" srcId="{4721A7DB-C6F6-40C1-A8D2-895EA272182B}" destId="{E9E7C163-943B-4DAE-A87B-F8A1EFC1AF0A}" srcOrd="4" destOrd="0" parTransId="{0C8F2AA9-8FDF-4E76-BC94-5E9E6D5A3C7C}" sibTransId="{0674D0BC-79B7-48CB-A2FB-A9D9622693E3}"/>
     <dgm:cxn modelId="{3FB24E90-DCF0-4C65-9A7B-C5148DA8572C}" srcId="{4721A7DB-C6F6-40C1-A8D2-895EA272182B}" destId="{B1103749-B44A-4CAE-BE6C-53453A96C0D9}" srcOrd="1" destOrd="0" parTransId="{DCE7F75C-87BC-47D9-9693-68244309043C}" sibTransId="{0F8D8068-649F-46B3-882F-72ED35146EF2}"/>
     <dgm:cxn modelId="{C2310891-2FC0-4157-ADBA-580DBDCD4E2D}" type="presOf" srcId="{53A4181D-2CB8-4007-94DD-32D687B898AB}" destId="{9E0E0880-F3BD-4B71-A0E1-0982A30F9CAB}" srcOrd="0" destOrd="0" presId="urn:microsoft.com/office/officeart/2005/8/layout/vList2"/>
     <dgm:cxn modelId="{C6EA6796-5829-4466-A472-17769CA21DAC}" type="presOf" srcId="{4D8CA055-D99D-4FE5-B559-DD3D583546D2}" destId="{81E80E99-222C-49DB-AE10-4EAC9DCEE1D3}" srcOrd="0" destOrd="0" presId="urn:microsoft.com/office/officeart/2005/8/layout/vList2"/>
@@ -5876,7 +5876,7 @@
           <a:p>
             <a:fld id="{1EBEDD12-BCD5-485B-BCBC-34BB01D7923C}" type="datetimeFigureOut">
               <a:rPr lang="en-US" smtClean="0"/>
-              <a:t>4/28/2024</a:t>
+              <a:t>4/30/24</a:t>
             </a:fld>
             <a:endParaRPr lang="en-US" dirty="0"/>
           </a:p>
@@ -6090,7 +6090,7 @@
           <a:p>
             <a:fld id="{6EE7A52F-9D89-7442-A8E9-48D1527B5F6B}" type="datetimeFigureOut">
               <a:rPr lang="en-US" smtClean="0"/>
-              <a:t>4/28/2024</a:t>
+              <a:t>4/30/24</a:t>
             </a:fld>
             <a:endParaRPr lang="en-US" dirty="0"/>
           </a:p>
@@ -15694,7 +15694,7 @@
         </p:nvSpPr>
         <p:spPr>
           <a:xfrm>
-            <a:off x="56098" y="94323"/>
+            <a:off x="251460" y="1305903"/>
             <a:ext cx="5844540" cy="648628"/>
           </a:xfrm>
         </p:spPr>
@@ -15711,177 +15711,6 @@
           </a:p>
         </p:txBody>
       </p:sp>
-      <p:grpSp>
-        <p:nvGrpSpPr>
-          <p:cNvPr id="16" name="Group 15">
-            <a:extLst>
-              <a:ext uri="{FF2B5EF4-FFF2-40B4-BE49-F238E27FC236}">
-                <a16:creationId xmlns:a16="http://schemas.microsoft.com/office/drawing/2014/main" id="{167B72AA-1847-1835-4826-394799472335}"/>
-              </a:ext>
-            </a:extLst>
-          </p:cNvPr>
-          <p:cNvGrpSpPr/>
-          <p:nvPr/>
-        </p:nvGrpSpPr>
-        <p:grpSpPr>
-          <a:xfrm>
-            <a:off x="568250" y="742951"/>
-            <a:ext cx="11113677" cy="5760486"/>
-            <a:chOff x="1147863" y="120588"/>
-            <a:chExt cx="10381114" cy="6546982"/>
-          </a:xfrm>
-        </p:grpSpPr>
-        <p:pic>
-          <p:nvPicPr>
-            <p:cNvPr id="7" name="Picture 6">
-              <a:extLst>
-                <a:ext uri="{FF2B5EF4-FFF2-40B4-BE49-F238E27FC236}">
-                  <a16:creationId xmlns:a16="http://schemas.microsoft.com/office/drawing/2014/main" id="{A9205F48-9FA7-D02D-5F18-0A9E9D005733}"/>
-                </a:ext>
-              </a:extLst>
-            </p:cNvPr>
-            <p:cNvPicPr>
-              <a:picLocks noChangeAspect="1"/>
-            </p:cNvPicPr>
-            <p:nvPr/>
-          </p:nvPicPr>
-          <p:blipFill>
-            <a:blip r:embed="rId3"/>
-            <a:stretch>
-              <a:fillRect/>
-            </a:stretch>
-          </p:blipFill>
-          <p:spPr>
-            <a:xfrm>
-              <a:off x="1470439" y="3691922"/>
-              <a:ext cx="2790235" cy="2975648"/>
-            </a:xfrm>
-            <a:prstGeom prst="rect">
-              <a:avLst/>
-            </a:prstGeom>
-          </p:spPr>
-        </p:pic>
-        <p:pic>
-          <p:nvPicPr>
-            <p:cNvPr id="9" name="Picture 8">
-              <a:extLst>
-                <a:ext uri="{FF2B5EF4-FFF2-40B4-BE49-F238E27FC236}">
-                  <a16:creationId xmlns:a16="http://schemas.microsoft.com/office/drawing/2014/main" id="{78566738-3355-B168-CDA5-F440685676CD}"/>
-                </a:ext>
-              </a:extLst>
-            </p:cNvPr>
-            <p:cNvPicPr>
-              <a:picLocks noChangeAspect="1"/>
-            </p:cNvPicPr>
-            <p:nvPr/>
-          </p:nvPicPr>
-          <p:blipFill>
-            <a:blip r:embed="rId4"/>
-            <a:stretch>
-              <a:fillRect/>
-            </a:stretch>
-          </p:blipFill>
-          <p:spPr>
-            <a:xfrm>
-              <a:off x="1147863" y="120588"/>
-              <a:ext cx="4948137" cy="3593235"/>
-            </a:xfrm>
-            <a:prstGeom prst="rect">
-              <a:avLst/>
-            </a:prstGeom>
-          </p:spPr>
-        </p:pic>
-        <p:pic>
-          <p:nvPicPr>
-            <p:cNvPr id="11" name="Picture 10">
-              <a:extLst>
-                <a:ext uri="{FF2B5EF4-FFF2-40B4-BE49-F238E27FC236}">
-                  <a16:creationId xmlns:a16="http://schemas.microsoft.com/office/drawing/2014/main" id="{46B84499-CAC2-0F2C-C4A1-2855AE4E21D7}"/>
-                </a:ext>
-              </a:extLst>
-            </p:cNvPr>
-            <p:cNvPicPr>
-              <a:picLocks noChangeAspect="1"/>
-            </p:cNvPicPr>
-            <p:nvPr/>
-          </p:nvPicPr>
-          <p:blipFill>
-            <a:blip r:embed="rId5"/>
-            <a:stretch>
-              <a:fillRect/>
-            </a:stretch>
-          </p:blipFill>
-          <p:spPr>
-            <a:xfrm>
-              <a:off x="4583249" y="3353201"/>
-              <a:ext cx="2790235" cy="2886601"/>
-            </a:xfrm>
-            <a:prstGeom prst="rect">
-              <a:avLst/>
-            </a:prstGeom>
-          </p:spPr>
-        </p:pic>
-        <p:pic>
-          <p:nvPicPr>
-            <p:cNvPr id="13" name="Picture 12">
-              <a:extLst>
-                <a:ext uri="{FF2B5EF4-FFF2-40B4-BE49-F238E27FC236}">
-                  <a16:creationId xmlns:a16="http://schemas.microsoft.com/office/drawing/2014/main" id="{C8478842-327D-C650-D5D8-F7193201D6BD}"/>
-                </a:ext>
-              </a:extLst>
-            </p:cNvPr>
-            <p:cNvPicPr>
-              <a:picLocks noChangeAspect="1"/>
-            </p:cNvPicPr>
-            <p:nvPr/>
-          </p:nvPicPr>
-          <p:blipFill>
-            <a:blip r:embed="rId6"/>
-            <a:stretch>
-              <a:fillRect/>
-            </a:stretch>
-          </p:blipFill>
-          <p:spPr>
-            <a:xfrm>
-              <a:off x="7461026" y="2763633"/>
-              <a:ext cx="3980409" cy="3170442"/>
-            </a:xfrm>
-            <a:prstGeom prst="rect">
-              <a:avLst/>
-            </a:prstGeom>
-          </p:spPr>
-        </p:pic>
-        <p:pic>
-          <p:nvPicPr>
-            <p:cNvPr id="15" name="Picture 14">
-              <a:extLst>
-                <a:ext uri="{FF2B5EF4-FFF2-40B4-BE49-F238E27FC236}">
-                  <a16:creationId xmlns:a16="http://schemas.microsoft.com/office/drawing/2014/main" id="{9E03E883-2FC8-791B-02E4-282037891435}"/>
-                </a:ext>
-              </a:extLst>
-            </p:cNvPr>
-            <p:cNvPicPr>
-              <a:picLocks noChangeAspect="1"/>
-            </p:cNvPicPr>
-            <p:nvPr/>
-          </p:nvPicPr>
-          <p:blipFill>
-            <a:blip r:embed="rId7"/>
-            <a:stretch>
-              <a:fillRect/>
-            </a:stretch>
-          </p:blipFill>
-          <p:spPr>
-            <a:xfrm>
-              <a:off x="6096000" y="120588"/>
-              <a:ext cx="5432977" cy="2886601"/>
-            </a:xfrm>
-            <a:prstGeom prst="rect">
-              <a:avLst/>
-            </a:prstGeom>
-          </p:spPr>
-        </p:pic>
-      </p:grpSp>
     </p:spTree>
     <p:extLst>
       <p:ext uri="{BB962C8B-B14F-4D97-AF65-F5344CB8AC3E}">
@@ -18685,6 +18514,23 @@
 </file>
 
 <file path=customXml/item1.xml><?xml version="1.0" encoding="utf-8"?>
+<?mso-contentType ?>
+<FormTemplates xmlns="http://schemas.microsoft.com/sharepoint/v3/contenttype/forms">
+  <Display>DocumentLibraryForm</Display>
+  <Edit>DocumentLibraryForm</Edit>
+  <New>DocumentLibraryForm</New>
+</FormTemplates>
+</file>
+
+<file path=customXml/item2.xml><?xml version="1.0" encoding="utf-8"?>
+<p:properties xmlns:p="http://schemas.microsoft.com/office/2006/metadata/properties" xmlns:xsi="http://www.w3.org/2001/XMLSchema-instance" xmlns:pc="http://schemas.microsoft.com/office/infopath/2007/PartnerControls">
+  <documentManagement>
+    <_activity xmlns="74c2638e-70d0-4fe8-b552-da195275d8cd" xsi:nil="true"/>
+  </documentManagement>
+</p:properties>
+</file>
+
+<file path=customXml/item3.xml><?xml version="1.0" encoding="utf-8"?>
 <ct:contentTypeSchema xmlns:ct="http://schemas.microsoft.com/office/2006/metadata/contentType" xmlns:ma="http://schemas.microsoft.com/office/2006/metadata/properties/metaAttributes" ct:_="" ma:_="" ma:contentTypeName="Document" ma:contentTypeID="0x010100BC6DB83D9FC7A74391E0BE5D12855147" ma:contentTypeVersion="13" ma:contentTypeDescription="Create a new document." ma:contentTypeScope="" ma:versionID="789e416ea29131618a1025c40b3f7a1e">
   <xsd:schema xmlns:xsd="http://www.w3.org/2001/XMLSchema" xmlns:xs="http://www.w3.org/2001/XMLSchema" xmlns:p="http://schemas.microsoft.com/office/2006/metadata/properties" xmlns:ns3="74c2638e-70d0-4fe8-b552-da195275d8cd" xmlns:ns4="999a2e79-bbf5-40ba-9443-edc7e862ecee" targetNamespace="http://schemas.microsoft.com/office/2006/metadata/properties" ma:root="true" ma:fieldsID="ef45b31c2df87227c8fb8434630cb149" ns3:_="" ns4:_="">
     <xsd:import namespace="74c2638e-70d0-4fe8-b552-da195275d8cd"/>
@@ -18903,38 +18749,10 @@
 </ct:contentTypeSchema>
 </file>
 
-<file path=customXml/item2.xml><?xml version="1.0" encoding="utf-8"?>
-<p:properties xmlns:p="http://schemas.microsoft.com/office/2006/metadata/properties" xmlns:xsi="http://www.w3.org/2001/XMLSchema-instance" xmlns:pc="http://schemas.microsoft.com/office/infopath/2007/PartnerControls">
-  <documentManagement>
-    <_activity xmlns="74c2638e-70d0-4fe8-b552-da195275d8cd" xsi:nil="true"/>
-  </documentManagement>
-</p:properties>
-</file>
-
-<file path=customXml/item3.xml><?xml version="1.0" encoding="utf-8"?>
-<?mso-contentType ?>
-<FormTemplates xmlns="http://schemas.microsoft.com/sharepoint/v3/contenttype/forms">
-  <Display>DocumentLibraryForm</Display>
-  <Edit>DocumentLibraryForm</Edit>
-  <New>DocumentLibraryForm</New>
-</FormTemplates>
-</file>
-
 <file path=customXml/itemProps1.xml><?xml version="1.0" encoding="utf-8"?>
-<ds:datastoreItem xmlns:ds="http://schemas.openxmlformats.org/officeDocument/2006/customXml" ds:itemID="{DB9BCEC9-5DB3-43DF-9C0D-EBF5B32D714E}">
+<ds:datastoreItem xmlns:ds="http://schemas.openxmlformats.org/officeDocument/2006/customXml" ds:itemID="{C21FFAC0-05A2-416A-B06C-C248395482CF}">
   <ds:schemaRefs>
-    <ds:schemaRef ds:uri="http://schemas.microsoft.com/office/2006/metadata/contentType"/>
-    <ds:schemaRef ds:uri="http://schemas.microsoft.com/office/2006/metadata/properties/metaAttributes"/>
-    <ds:schemaRef ds:uri="http://www.w3.org/2001/XMLSchema"/>
-    <ds:schemaRef ds:uri="http://schemas.microsoft.com/office/2006/metadata/properties"/>
-    <ds:schemaRef ds:uri="74c2638e-70d0-4fe8-b552-da195275d8cd"/>
-    <ds:schemaRef ds:uri="999a2e79-bbf5-40ba-9443-edc7e862ecee"/>
-    <ds:schemaRef ds:uri="http://schemas.microsoft.com/office/2006/documentManagement/types"/>
-    <ds:schemaRef ds:uri="http://schemas.microsoft.com/office/infopath/2007/PartnerControls"/>
-    <ds:schemaRef ds:uri="http://schemas.openxmlformats.org/package/2006/metadata/core-properties"/>
-    <ds:schemaRef ds:uri="http://purl.org/dc/elements/1.1/"/>
-    <ds:schemaRef ds:uri="http://purl.org/dc/terms/"/>
-    <ds:schemaRef ds:uri="http://schemas.microsoft.com/internal/obd"/>
+    <ds:schemaRef ds:uri="http://schemas.microsoft.com/sharepoint/v3/contenttype/forms"/>
   </ds:schemaRefs>
 </ds:datastoreItem>
 </file>
@@ -18957,9 +18775,20 @@
 </file>
 
 <file path=customXml/itemProps3.xml><?xml version="1.0" encoding="utf-8"?>
-<ds:datastoreItem xmlns:ds="http://schemas.openxmlformats.org/officeDocument/2006/customXml" ds:itemID="{C21FFAC0-05A2-416A-B06C-C248395482CF}">
+<ds:datastoreItem xmlns:ds="http://schemas.openxmlformats.org/officeDocument/2006/customXml" ds:itemID="{DB9BCEC9-5DB3-43DF-9C0D-EBF5B32D714E}">
   <ds:schemaRefs>
-    <ds:schemaRef ds:uri="http://schemas.microsoft.com/sharepoint/v3/contenttype/forms"/>
+    <ds:schemaRef ds:uri="http://schemas.microsoft.com/office/2006/metadata/contentType"/>
+    <ds:schemaRef ds:uri="http://schemas.microsoft.com/office/2006/metadata/properties/metaAttributes"/>
+    <ds:schemaRef ds:uri="http://www.w3.org/2001/XMLSchema"/>
+    <ds:schemaRef ds:uri="http://schemas.microsoft.com/office/2006/metadata/properties"/>
+    <ds:schemaRef ds:uri="74c2638e-70d0-4fe8-b552-da195275d8cd"/>
+    <ds:schemaRef ds:uri="999a2e79-bbf5-40ba-9443-edc7e862ecee"/>
+    <ds:schemaRef ds:uri="http://schemas.microsoft.com/office/2006/documentManagement/types"/>
+    <ds:schemaRef ds:uri="http://schemas.microsoft.com/office/infopath/2007/PartnerControls"/>
+    <ds:schemaRef ds:uri="http://schemas.openxmlformats.org/package/2006/metadata/core-properties"/>
+    <ds:schemaRef ds:uri="http://purl.org/dc/elements/1.1/"/>
+    <ds:schemaRef ds:uri="http://purl.org/dc/terms/"/>
+    <ds:schemaRef ds:uri="http://schemas.microsoft.com/internal/obd"/>
   </ds:schemaRefs>
 </ds:datastoreItem>
 </file>

--- a/TeamI.pptx
+++ b/TeamI.pptx
@@ -2108,6 +2108,13 @@
     <dgm:pt modelId="{A7E421F3-55EE-40C6-AC8F-1772741D27EB}" type="doc">
       <dgm:prSet loTypeId="urn:microsoft.com/office/officeart/2005/8/layout/vList3" loCatId="list" qsTypeId="urn:microsoft.com/office/officeart/2005/8/quickstyle/simple1" qsCatId="simple" csTypeId="urn:microsoft.com/office/officeart/2005/8/colors/accent1_2" csCatId="accent1" phldr="1"/>
       <dgm:spPr/>
+      <dgm:t>
+        <a:bodyPr/>
+        <a:lstStyle/>
+        <a:p>
+          <a:endParaRPr lang="en-GB"/>
+        </a:p>
+      </dgm:t>
     </dgm:pt>
     <dgm:pt modelId="{7D9B98E0-68A4-4E4C-B2CE-E0038B6DB3A4}">
       <dgm:prSet phldrT="[Text]" custT="1"/>
@@ -2252,13 +2259,19 @@
       <dgm:spPr/>
     </dgm:pt>
     <dgm:pt modelId="{1AB84F75-E497-4457-9CAF-7D6C3505C3E1}" type="pres">
-      <dgm:prSet presAssocID="{7D9B98E0-68A4-4E4C-B2CE-E0038B6DB3A4}" presName="imgShp" presStyleLbl="fgImgPlace1" presStyleIdx="0" presStyleCnt="3"/>
+      <dgm:prSet presAssocID="{7D9B98E0-68A4-4E4C-B2CE-E0038B6DB3A4}" presName="imgShp" presStyleLbl="fgImgPlace1" presStyleIdx="0" presStyleCnt="3" custLinFactNeighborX="12"/>
       <dgm:spPr>
         <a:blipFill>
-          <a:blip xmlns:r="http://schemas.openxmlformats.org/officeDocument/2006/relationships" r:embed="rId1"/>
+          <a:blip xmlns:r="http://schemas.openxmlformats.org/officeDocument/2006/relationships" r:embed="rId1">
+            <a:extLst>
+              <a:ext uri="{28A0092B-C50C-407E-A947-70E740481C1C}">
+                <a14:useLocalDpi xmlns:a14="http://schemas.microsoft.com/office/drawing/2010/main" val="0"/>
+              </a:ext>
+            </a:extLst>
+          </a:blip>
           <a:srcRect/>
           <a:stretch>
-            <a:fillRect t="-17000" b="-17000"/>
+            <a:fillRect l="-1000" r="-1000"/>
           </a:stretch>
         </a:blipFill>
       </dgm:spPr>
@@ -3107,17 +3120,23 @@
       </dsp:nvSpPr>
       <dsp:spPr>
         <a:xfrm>
-          <a:off x="500290" y="1126"/>
+          <a:off x="500403" y="1126"/>
           <a:ext cx="940408" cy="940408"/>
         </a:xfrm>
         <a:prstGeom prst="ellipse">
           <a:avLst/>
         </a:prstGeom>
         <a:blipFill>
-          <a:blip xmlns:r="http://schemas.openxmlformats.org/officeDocument/2006/relationships" r:embed="rId1"/>
+          <a:blip xmlns:r="http://schemas.openxmlformats.org/officeDocument/2006/relationships" r:embed="rId1">
+            <a:extLst>
+              <a:ext uri="{28A0092B-C50C-407E-A947-70E740481C1C}">
+                <a14:useLocalDpi xmlns:a14="http://schemas.microsoft.com/office/drawing/2010/main" val="0"/>
+              </a:ext>
+            </a:extLst>
+          </a:blip>
           <a:srcRect/>
           <a:stretch>
-            <a:fillRect t="-17000" b="-17000"/>
+            <a:fillRect l="-1000" r="-1000"/>
           </a:stretch>
         </a:blipFill>
         <a:ln w="12700" cap="flat" cmpd="sng" algn="ctr">
@@ -16363,7 +16382,7 @@
           <p:nvPr>
             <p:extLst>
               <p:ext uri="{D42A27DB-BD31-4B8C-83A1-F6EECF244321}">
-                <p14:modId xmlns:p14="http://schemas.microsoft.com/office/powerpoint/2010/main" val="3922317007"/>
+                <p14:modId xmlns:p14="http://schemas.microsoft.com/office/powerpoint/2010/main" val="1366095679"/>
               </p:ext>
             </p:extLst>
           </p:nvPr>
@@ -18514,20 +18533,20 @@
 </file>
 
 <file path=customXml/item1.xml><?xml version="1.0" encoding="utf-8"?>
+<p:properties xmlns:p="http://schemas.microsoft.com/office/2006/metadata/properties" xmlns:xsi="http://www.w3.org/2001/XMLSchema-instance" xmlns:pc="http://schemas.microsoft.com/office/infopath/2007/PartnerControls">
+  <documentManagement>
+    <_activity xmlns="74c2638e-70d0-4fe8-b552-da195275d8cd" xsi:nil="true"/>
+  </documentManagement>
+</p:properties>
+</file>
+
+<file path=customXml/item2.xml><?xml version="1.0" encoding="utf-8"?>
 <?mso-contentType ?>
 <FormTemplates xmlns="http://schemas.microsoft.com/sharepoint/v3/contenttype/forms">
   <Display>DocumentLibraryForm</Display>
   <Edit>DocumentLibraryForm</Edit>
   <New>DocumentLibraryForm</New>
 </FormTemplates>
-</file>
-
-<file path=customXml/item2.xml><?xml version="1.0" encoding="utf-8"?>
-<p:properties xmlns:p="http://schemas.microsoft.com/office/2006/metadata/properties" xmlns:xsi="http://www.w3.org/2001/XMLSchema-instance" xmlns:pc="http://schemas.microsoft.com/office/infopath/2007/PartnerControls">
-  <documentManagement>
-    <_activity xmlns="74c2638e-70d0-4fe8-b552-da195275d8cd" xsi:nil="true"/>
-  </documentManagement>
-</p:properties>
 </file>
 
 <file path=customXml/item3.xml><?xml version="1.0" encoding="utf-8"?>
@@ -18750,14 +18769,6 @@
 </file>
 
 <file path=customXml/itemProps1.xml><?xml version="1.0" encoding="utf-8"?>
-<ds:datastoreItem xmlns:ds="http://schemas.openxmlformats.org/officeDocument/2006/customXml" ds:itemID="{C21FFAC0-05A2-416A-B06C-C248395482CF}">
-  <ds:schemaRefs>
-    <ds:schemaRef ds:uri="http://schemas.microsoft.com/sharepoint/v3/contenttype/forms"/>
-  </ds:schemaRefs>
-</ds:datastoreItem>
-</file>
-
-<file path=customXml/itemProps2.xml><?xml version="1.0" encoding="utf-8"?>
 <ds:datastoreItem xmlns:ds="http://schemas.openxmlformats.org/officeDocument/2006/customXml" ds:itemID="{4F4B194E-8B30-4377-8C59-ECFB902D2A26}">
   <ds:schemaRefs>
     <ds:schemaRef ds:uri="http://www.w3.org/XML/1998/namespace"/>
@@ -18770,6 +18781,14 @@
     <ds:schemaRef ds:uri="http://schemas.openxmlformats.org/package/2006/metadata/core-properties"/>
     <ds:schemaRef ds:uri="999a2e79-bbf5-40ba-9443-edc7e862ecee"/>
     <ds:schemaRef ds:uri="http://purl.org/dc/terms/"/>
+  </ds:schemaRefs>
+</ds:datastoreItem>
+</file>
+
+<file path=customXml/itemProps2.xml><?xml version="1.0" encoding="utf-8"?>
+<ds:datastoreItem xmlns:ds="http://schemas.openxmlformats.org/officeDocument/2006/customXml" ds:itemID="{C21FFAC0-05A2-416A-B06C-C248395482CF}">
+  <ds:schemaRefs>
+    <ds:schemaRef ds:uri="http://schemas.microsoft.com/sharepoint/v3/contenttype/forms"/>
   </ds:schemaRefs>
 </ds:datastoreItem>
 </file>

--- a/TeamI.pptx
+++ b/TeamI.pptx
@@ -2065,9 +2065,9 @@
     <dgm:cxn modelId="{5BB16021-90FE-46D0-BC38-9EBFCA30150F}" type="presOf" srcId="{3EE09EF8-1037-4AE6-8773-7CCA7CFCD45F}" destId="{C272EF8A-4BBF-4D16-A876-A0182DFCD779}" srcOrd="0" destOrd="0" presId="urn:microsoft.com/office/officeart/2005/8/layout/vList2"/>
     <dgm:cxn modelId="{C256EB35-6314-4038-BEB1-95EDD0ADAD25}" type="presOf" srcId="{CAA280DD-2BB8-45C4-B032-EE6227826235}" destId="{CF3BC6F1-31A4-4665-8947-F336534D6969}" srcOrd="0" destOrd="0" presId="urn:microsoft.com/office/officeart/2005/8/layout/vList2"/>
     <dgm:cxn modelId="{5A1BD237-316D-46FA-85BF-5C47136579B0}" type="presOf" srcId="{B1103749-B44A-4CAE-BE6C-53453A96C0D9}" destId="{453DDEA1-8A02-4307-A353-90CB99BFCEFB}" srcOrd="0" destOrd="0" presId="urn:microsoft.com/office/officeart/2005/8/layout/vList2"/>
+    <dgm:cxn modelId="{8944425D-0606-4430-B32B-B033E8B80CF0}" srcId="{4721A7DB-C6F6-40C1-A8D2-895EA272182B}" destId="{E9E7C163-943B-4DAE-A87B-F8A1EFC1AF0A}" srcOrd="4" destOrd="0" parTransId="{0C8F2AA9-8FDF-4E76-BC94-5E9E6D5A3C7C}" sibTransId="{0674D0BC-79B7-48CB-A2FB-A9D9622693E3}"/>
     <dgm:cxn modelId="{7F151C49-5970-4E62-871D-6F862FD85F46}" srcId="{4721A7DB-C6F6-40C1-A8D2-895EA272182B}" destId="{3EE09EF8-1037-4AE6-8773-7CCA7CFCD45F}" srcOrd="6" destOrd="0" parTransId="{3481815E-B64C-41F0-9A7C-7E7E6D702994}" sibTransId="{4D473EC3-42CD-458F-93EE-611F803F4B29}"/>
     <dgm:cxn modelId="{E69DDD51-50E0-4EAD-81EF-C3613B17B551}" srcId="{4721A7DB-C6F6-40C1-A8D2-895EA272182B}" destId="{CAA280DD-2BB8-45C4-B032-EE6227826235}" srcOrd="7" destOrd="0" parTransId="{BF73BCFE-E312-4B4E-A1E6-6951ABAFA8B2}" sibTransId="{10FEE7E6-4BF8-487C-BCA0-CA6185218ED7}"/>
-    <dgm:cxn modelId="{8944425D-0606-4430-B32B-B033E8B80CF0}" srcId="{4721A7DB-C6F6-40C1-A8D2-895EA272182B}" destId="{E9E7C163-943B-4DAE-A87B-F8A1EFC1AF0A}" srcOrd="4" destOrd="0" parTransId="{0C8F2AA9-8FDF-4E76-BC94-5E9E6D5A3C7C}" sibTransId="{0674D0BC-79B7-48CB-A2FB-A9D9622693E3}"/>
     <dgm:cxn modelId="{3FB24E90-DCF0-4C65-9A7B-C5148DA8572C}" srcId="{4721A7DB-C6F6-40C1-A8D2-895EA272182B}" destId="{B1103749-B44A-4CAE-BE6C-53453A96C0D9}" srcOrd="1" destOrd="0" parTransId="{DCE7F75C-87BC-47D9-9693-68244309043C}" sibTransId="{0F8D8068-649F-46B3-882F-72ED35146EF2}"/>
     <dgm:cxn modelId="{C2310891-2FC0-4157-ADBA-580DBDCD4E2D}" type="presOf" srcId="{53A4181D-2CB8-4007-94DD-32D687B898AB}" destId="{9E0E0880-F3BD-4B71-A0E1-0982A30F9CAB}" srcOrd="0" destOrd="0" presId="urn:microsoft.com/office/officeart/2005/8/layout/vList2"/>
     <dgm:cxn modelId="{C6EA6796-5829-4466-A472-17769CA21DAC}" type="presOf" srcId="{4D8CA055-D99D-4FE5-B559-DD3D583546D2}" destId="{81E80E99-222C-49DB-AE10-4EAC9DCEE1D3}" srcOrd="0" destOrd="0" presId="urn:microsoft.com/office/officeart/2005/8/layout/vList2"/>
@@ -5895,7 +5895,7 @@
           <a:p>
             <a:fld id="{1EBEDD12-BCD5-485B-BCBC-34BB01D7923C}" type="datetimeFigureOut">
               <a:rPr lang="en-US" smtClean="0"/>
-              <a:t>4/30/24</a:t>
+              <a:t>4/30/2024</a:t>
             </a:fld>
             <a:endParaRPr lang="en-US" dirty="0"/>
           </a:p>
@@ -6109,7 +6109,7 @@
           <a:p>
             <a:fld id="{6EE7A52F-9D89-7442-A8E9-48D1527B5F6B}" type="datetimeFigureOut">
               <a:rPr lang="en-US" smtClean="0"/>
-              <a:t>4/30/24</a:t>
+              <a:t>4/30/2024</a:t>
             </a:fld>
             <a:endParaRPr lang="en-US" dirty="0"/>
           </a:p>
@@ -15821,18 +15821,6 @@
           </a:bodyPr>
           <a:lstStyle/>
           <a:p>
-            <a:r>
-              <a:rPr lang="en-US" dirty="0"/>
-              <a:t>Your ability to communicate effectively will leave a lasting impact on your audience</a:t>
-            </a:r>
-          </a:p>
-          <a:p>
-            <a:r>
-              <a:rPr lang="en-US" dirty="0"/>
-              <a:t>Effectively communicating involves not only delivering a message but also resonating with the experiences, values, and emotions of those listening </a:t>
-            </a:r>
-          </a:p>
-          <a:p>
             <a:endParaRPr lang="en-US" dirty="0"/>
           </a:p>
         </p:txBody>
@@ -18533,23 +18521,6 @@
 </file>
 
 <file path=customXml/item1.xml><?xml version="1.0" encoding="utf-8"?>
-<p:properties xmlns:p="http://schemas.microsoft.com/office/2006/metadata/properties" xmlns:xsi="http://www.w3.org/2001/XMLSchema-instance" xmlns:pc="http://schemas.microsoft.com/office/infopath/2007/PartnerControls">
-  <documentManagement>
-    <_activity xmlns="74c2638e-70d0-4fe8-b552-da195275d8cd" xsi:nil="true"/>
-  </documentManagement>
-</p:properties>
-</file>
-
-<file path=customXml/item2.xml><?xml version="1.0" encoding="utf-8"?>
-<?mso-contentType ?>
-<FormTemplates xmlns="http://schemas.microsoft.com/sharepoint/v3/contenttype/forms">
-  <Display>DocumentLibraryForm</Display>
-  <Edit>DocumentLibraryForm</Edit>
-  <New>DocumentLibraryForm</New>
-</FormTemplates>
-</file>
-
-<file path=customXml/item3.xml><?xml version="1.0" encoding="utf-8"?>
 <ct:contentTypeSchema xmlns:ct="http://schemas.microsoft.com/office/2006/metadata/contentType" xmlns:ma="http://schemas.microsoft.com/office/2006/metadata/properties/metaAttributes" ct:_="" ma:_="" ma:contentTypeName="Document" ma:contentTypeID="0x010100BC6DB83D9FC7A74391E0BE5D12855147" ma:contentTypeVersion="13" ma:contentTypeDescription="Create a new document." ma:contentTypeScope="" ma:versionID="789e416ea29131618a1025c40b3f7a1e">
   <xsd:schema xmlns:xsd="http://www.w3.org/2001/XMLSchema" xmlns:xs="http://www.w3.org/2001/XMLSchema" xmlns:p="http://schemas.microsoft.com/office/2006/metadata/properties" xmlns:ns3="74c2638e-70d0-4fe8-b552-da195275d8cd" xmlns:ns4="999a2e79-bbf5-40ba-9443-edc7e862ecee" targetNamespace="http://schemas.microsoft.com/office/2006/metadata/properties" ma:root="true" ma:fieldsID="ef45b31c2df87227c8fb8434630cb149" ns3:_="" ns4:_="">
     <xsd:import namespace="74c2638e-70d0-4fe8-b552-da195275d8cd"/>
@@ -18768,32 +18739,24 @@
 </ct:contentTypeSchema>
 </file>
 
-<file path=customXml/itemProps1.xml><?xml version="1.0" encoding="utf-8"?>
-<ds:datastoreItem xmlns:ds="http://schemas.openxmlformats.org/officeDocument/2006/customXml" ds:itemID="{4F4B194E-8B30-4377-8C59-ECFB902D2A26}">
-  <ds:schemaRefs>
-    <ds:schemaRef ds:uri="http://www.w3.org/XML/1998/namespace"/>
-    <ds:schemaRef ds:uri="http://purl.org/dc/dcmitype/"/>
-    <ds:schemaRef ds:uri="http://schemas.microsoft.com/office/2006/documentManagement/types"/>
-    <ds:schemaRef ds:uri="http://purl.org/dc/elements/1.1/"/>
-    <ds:schemaRef ds:uri="74c2638e-70d0-4fe8-b552-da195275d8cd"/>
-    <ds:schemaRef ds:uri="http://schemas.microsoft.com/office/2006/metadata/properties"/>
-    <ds:schemaRef ds:uri="http://schemas.microsoft.com/office/infopath/2007/PartnerControls"/>
-    <ds:schemaRef ds:uri="http://schemas.openxmlformats.org/package/2006/metadata/core-properties"/>
-    <ds:schemaRef ds:uri="999a2e79-bbf5-40ba-9443-edc7e862ecee"/>
-    <ds:schemaRef ds:uri="http://purl.org/dc/terms/"/>
-  </ds:schemaRefs>
-</ds:datastoreItem>
+<file path=customXml/item2.xml><?xml version="1.0" encoding="utf-8"?>
+<?mso-contentType ?>
+<FormTemplates xmlns="http://schemas.microsoft.com/sharepoint/v3/contenttype/forms">
+  <Display>DocumentLibraryForm</Display>
+  <Edit>DocumentLibraryForm</Edit>
+  <New>DocumentLibraryForm</New>
+</FormTemplates>
 </file>
 
-<file path=customXml/itemProps2.xml><?xml version="1.0" encoding="utf-8"?>
-<ds:datastoreItem xmlns:ds="http://schemas.openxmlformats.org/officeDocument/2006/customXml" ds:itemID="{C21FFAC0-05A2-416A-B06C-C248395482CF}">
-  <ds:schemaRefs>
-    <ds:schemaRef ds:uri="http://schemas.microsoft.com/sharepoint/v3/contenttype/forms"/>
-  </ds:schemaRefs>
-</ds:datastoreItem>
+<file path=customXml/item3.xml><?xml version="1.0" encoding="utf-8"?>
+<p:properties xmlns:p="http://schemas.microsoft.com/office/2006/metadata/properties" xmlns:xsi="http://www.w3.org/2001/XMLSchema-instance" xmlns:pc="http://schemas.microsoft.com/office/infopath/2007/PartnerControls">
+  <documentManagement>
+    <_activity xmlns="74c2638e-70d0-4fe8-b552-da195275d8cd" xsi:nil="true"/>
+  </documentManagement>
+</p:properties>
 </file>
 
-<file path=customXml/itemProps3.xml><?xml version="1.0" encoding="utf-8"?>
+<file path=customXml/itemProps1.xml><?xml version="1.0" encoding="utf-8"?>
 <ds:datastoreItem xmlns:ds="http://schemas.openxmlformats.org/officeDocument/2006/customXml" ds:itemID="{DB9BCEC9-5DB3-43DF-9C0D-EBF5B32D714E}">
   <ds:schemaRefs>
     <ds:schemaRef ds:uri="http://schemas.microsoft.com/office/2006/metadata/contentType"/>
@@ -18812,6 +18775,31 @@
 </ds:datastoreItem>
 </file>
 
+<file path=customXml/itemProps2.xml><?xml version="1.0" encoding="utf-8"?>
+<ds:datastoreItem xmlns:ds="http://schemas.openxmlformats.org/officeDocument/2006/customXml" ds:itemID="{C21FFAC0-05A2-416A-B06C-C248395482CF}">
+  <ds:schemaRefs>
+    <ds:schemaRef ds:uri="http://schemas.microsoft.com/sharepoint/v3/contenttype/forms"/>
+  </ds:schemaRefs>
+</ds:datastoreItem>
+</file>
+
+<file path=customXml/itemProps3.xml><?xml version="1.0" encoding="utf-8"?>
+<ds:datastoreItem xmlns:ds="http://schemas.openxmlformats.org/officeDocument/2006/customXml" ds:itemID="{4F4B194E-8B30-4377-8C59-ECFB902D2A26}">
+  <ds:schemaRefs>
+    <ds:schemaRef ds:uri="http://www.w3.org/XML/1998/namespace"/>
+    <ds:schemaRef ds:uri="http://purl.org/dc/dcmitype/"/>
+    <ds:schemaRef ds:uri="http://schemas.microsoft.com/office/2006/documentManagement/types"/>
+    <ds:schemaRef ds:uri="http://purl.org/dc/elements/1.1/"/>
+    <ds:schemaRef ds:uri="74c2638e-70d0-4fe8-b552-da195275d8cd"/>
+    <ds:schemaRef ds:uri="http://schemas.microsoft.com/office/2006/metadata/properties"/>
+    <ds:schemaRef ds:uri="http://schemas.microsoft.com/office/infopath/2007/PartnerControls"/>
+    <ds:schemaRef ds:uri="http://schemas.openxmlformats.org/package/2006/metadata/core-properties"/>
+    <ds:schemaRef ds:uri="999a2e79-bbf5-40ba-9443-edc7e862ecee"/>
+    <ds:schemaRef ds:uri="http://purl.org/dc/terms/"/>
+  </ds:schemaRefs>
+</ds:datastoreItem>
+</file>
+
 <file path=docMetadata/LabelInfo.xml><?xml version="1.0" encoding="utf-8"?>
 <clbl:labelList xmlns:clbl="http://schemas.microsoft.com/office/2020/mipLabelMetadata"/>
 </file>
--- a/TeamI.pptx
+++ b/TeamI.pptx
@@ -17648,8 +17648,8 @@
         </p:nvSpPr>
         <p:spPr>
           <a:xfrm>
-            <a:off x="6356207" y="5421085"/>
-            <a:ext cx="4939666" cy="705367"/>
+            <a:off x="6356207" y="5547318"/>
+            <a:ext cx="3463042" cy="579134"/>
           </a:xfrm>
         </p:spPr>
         <p:txBody>
@@ -17657,12 +17657,299 @@
           <a:lstStyle/>
           <a:p>
             <a:r>
-              <a:rPr lang="en-US" dirty="0"/>
+              <a:rPr lang="en-US" sz="3600" dirty="0"/>
               <a:t>Drivers Insights</a:t>
             </a:r>
           </a:p>
         </p:txBody>
       </p:sp>
+      <p:pic>
+        <p:nvPicPr>
+          <p:cNvPr id="6" name="Picture 5" descr="A graph of a crash and crash&#10;&#10;Description automatically generated with medium confidence">
+            <a:extLst>
+              <a:ext uri="{FF2B5EF4-FFF2-40B4-BE49-F238E27FC236}">
+                <a16:creationId xmlns:a16="http://schemas.microsoft.com/office/drawing/2014/main" id="{28B44F34-4F41-AFC9-4619-3751EA007AC0}"/>
+              </a:ext>
+            </a:extLst>
+          </p:cNvPr>
+          <p:cNvPicPr>
+            <a:picLocks noChangeAspect="1"/>
+          </p:cNvPicPr>
+          <p:nvPr/>
+        </p:nvPicPr>
+        <p:blipFill>
+          <a:blip r:embed="rId3">
+            <a:extLst>
+              <a:ext uri="{28A0092B-C50C-407E-A947-70E740481C1C}">
+                <a14:useLocalDpi xmlns:a14="http://schemas.microsoft.com/office/drawing/2010/main" val="0"/>
+              </a:ext>
+            </a:extLst>
+          </a:blip>
+          <a:stretch>
+            <a:fillRect/>
+          </a:stretch>
+        </p:blipFill>
+        <p:spPr>
+          <a:xfrm>
+            <a:off x="7146388" y="-830"/>
+            <a:ext cx="5250099" cy="3429830"/>
+          </a:xfrm>
+          <a:prstGeom prst="rect">
+            <a:avLst/>
+          </a:prstGeom>
+        </p:spPr>
+      </p:pic>
+      <p:pic>
+        <p:nvPicPr>
+          <p:cNvPr id="8" name="Picture 7" descr="A pie chart with numbers and text&#10;&#10;Description automatically generated">
+            <a:extLst>
+              <a:ext uri="{FF2B5EF4-FFF2-40B4-BE49-F238E27FC236}">
+                <a16:creationId xmlns:a16="http://schemas.microsoft.com/office/drawing/2014/main" id="{8C26B234-E28F-B655-3E60-407FF8595542}"/>
+              </a:ext>
+            </a:extLst>
+          </p:cNvPr>
+          <p:cNvPicPr>
+            <a:picLocks noChangeAspect="1"/>
+          </p:cNvPicPr>
+          <p:nvPr/>
+        </p:nvPicPr>
+        <p:blipFill rotWithShape="1">
+          <a:blip r:embed="rId4">
+            <a:extLst>
+              <a:ext uri="{28A0092B-C50C-407E-A947-70E740481C1C}">
+                <a14:useLocalDpi xmlns:a14="http://schemas.microsoft.com/office/drawing/2010/main" val="0"/>
+              </a:ext>
+            </a:extLst>
+          </a:blip>
+          <a:srcRect r="4520" b="6253"/>
+          <a:stretch/>
+        </p:blipFill>
+        <p:spPr>
+          <a:xfrm>
+            <a:off x="4074371" y="3121490"/>
+            <a:ext cx="3270490" cy="2299595"/>
+          </a:xfrm>
+          <a:prstGeom prst="rect">
+            <a:avLst/>
+          </a:prstGeom>
+        </p:spPr>
+      </p:pic>
+      <p:pic>
+        <p:nvPicPr>
+          <p:cNvPr id="10" name="Picture 9" descr="A graph of crash on a white background&#10;&#10;Description automatically generated">
+            <a:extLst>
+              <a:ext uri="{FF2B5EF4-FFF2-40B4-BE49-F238E27FC236}">
+                <a16:creationId xmlns:a16="http://schemas.microsoft.com/office/drawing/2014/main" id="{C81DFFD2-5D0C-4E0D-DBED-C1184441A0FD}"/>
+              </a:ext>
+            </a:extLst>
+          </p:cNvPr>
+          <p:cNvPicPr>
+            <a:picLocks noChangeAspect="1"/>
+          </p:cNvPicPr>
+          <p:nvPr/>
+        </p:nvPicPr>
+        <p:blipFill>
+          <a:blip r:embed="rId5">
+            <a:extLst>
+              <a:ext uri="{28A0092B-C50C-407E-A947-70E740481C1C}">
+                <a14:useLocalDpi xmlns:a14="http://schemas.microsoft.com/office/drawing/2010/main" val="0"/>
+              </a:ext>
+            </a:extLst>
+          </a:blip>
+          <a:stretch>
+            <a:fillRect/>
+          </a:stretch>
+        </p:blipFill>
+        <p:spPr>
+          <a:xfrm>
+            <a:off x="-1" y="33824"/>
+            <a:ext cx="3709917" cy="2961433"/>
+          </a:xfrm>
+          <a:prstGeom prst="rect">
+            <a:avLst/>
+          </a:prstGeom>
+        </p:spPr>
+      </p:pic>
+      <p:pic>
+        <p:nvPicPr>
+          <p:cNvPr id="12" name="Picture 11" descr="A blue and orange circle with text&#10;&#10;Description automatically generated">
+            <a:extLst>
+              <a:ext uri="{FF2B5EF4-FFF2-40B4-BE49-F238E27FC236}">
+                <a16:creationId xmlns:a16="http://schemas.microsoft.com/office/drawing/2014/main" id="{AD44F1D7-9B85-7462-1FAD-98D02BADFAE6}"/>
+              </a:ext>
+            </a:extLst>
+          </p:cNvPr>
+          <p:cNvPicPr>
+            <a:picLocks noChangeAspect="1"/>
+          </p:cNvPicPr>
+          <p:nvPr/>
+        </p:nvPicPr>
+        <p:blipFill>
+          <a:blip r:embed="rId6">
+            <a:extLst>
+              <a:ext uri="{28A0092B-C50C-407E-A947-70E740481C1C}">
+                <a14:useLocalDpi xmlns:a14="http://schemas.microsoft.com/office/drawing/2010/main" val="0"/>
+              </a:ext>
+            </a:extLst>
+          </a:blip>
+          <a:stretch>
+            <a:fillRect/>
+          </a:stretch>
+        </p:blipFill>
+        <p:spPr>
+          <a:xfrm>
+            <a:off x="4074371" y="5500384"/>
+            <a:ext cx="2025650" cy="1357616"/>
+          </a:xfrm>
+          <a:prstGeom prst="rect">
+            <a:avLst/>
+          </a:prstGeom>
+        </p:spPr>
+      </p:pic>
+      <p:pic>
+        <p:nvPicPr>
+          <p:cNvPr id="14" name="Picture 13" descr="A graph with numbers and colored squares&#10;&#10;Description automatically generated">
+            <a:extLst>
+              <a:ext uri="{FF2B5EF4-FFF2-40B4-BE49-F238E27FC236}">
+                <a16:creationId xmlns:a16="http://schemas.microsoft.com/office/drawing/2014/main" id="{0CDEAD92-7877-5C28-225C-5E6FE66370B8}"/>
+              </a:ext>
+            </a:extLst>
+          </p:cNvPr>
+          <p:cNvPicPr>
+            <a:picLocks noChangeAspect="1"/>
+          </p:cNvPicPr>
+          <p:nvPr/>
+        </p:nvPicPr>
+        <p:blipFill>
+          <a:blip r:embed="rId7">
+            <a:extLst>
+              <a:ext uri="{28A0092B-C50C-407E-A947-70E740481C1C}">
+                <a14:useLocalDpi xmlns:a14="http://schemas.microsoft.com/office/drawing/2010/main" val="0"/>
+              </a:ext>
+            </a:extLst>
+          </a:blip>
+          <a:stretch>
+            <a:fillRect/>
+          </a:stretch>
+        </p:blipFill>
+        <p:spPr>
+          <a:xfrm>
+            <a:off x="7367472" y="3555233"/>
+            <a:ext cx="2956896" cy="1471441"/>
+          </a:xfrm>
+          <a:prstGeom prst="rect">
+            <a:avLst/>
+          </a:prstGeom>
+        </p:spPr>
+      </p:pic>
+      <p:pic>
+        <p:nvPicPr>
+          <p:cNvPr id="16" name="Picture 15" descr="A pie chart with text on it&#10;&#10;Description automatically generated">
+            <a:extLst>
+              <a:ext uri="{FF2B5EF4-FFF2-40B4-BE49-F238E27FC236}">
+                <a16:creationId xmlns:a16="http://schemas.microsoft.com/office/drawing/2014/main" id="{5BDF6212-3930-136D-3967-2B735B62A87C}"/>
+              </a:ext>
+            </a:extLst>
+          </p:cNvPr>
+          <p:cNvPicPr>
+            <a:picLocks noChangeAspect="1"/>
+          </p:cNvPicPr>
+          <p:nvPr/>
+        </p:nvPicPr>
+        <p:blipFill>
+          <a:blip r:embed="rId8">
+            <a:extLst>
+              <a:ext uri="{28A0092B-C50C-407E-A947-70E740481C1C}">
+                <a14:useLocalDpi xmlns:a14="http://schemas.microsoft.com/office/drawing/2010/main" val="0"/>
+              </a:ext>
+            </a:extLst>
+          </a:blip>
+          <a:stretch>
+            <a:fillRect/>
+          </a:stretch>
+        </p:blipFill>
+        <p:spPr>
+          <a:xfrm>
+            <a:off x="9945858" y="5025355"/>
+            <a:ext cx="2246142" cy="1780159"/>
+          </a:xfrm>
+          <a:prstGeom prst="rect">
+            <a:avLst/>
+          </a:prstGeom>
+        </p:spPr>
+      </p:pic>
+      <p:pic>
+        <p:nvPicPr>
+          <p:cNvPr id="18" name="Picture 17" descr="A graph with numbers and a bar&#10;&#10;Description automatically generated">
+            <a:extLst>
+              <a:ext uri="{FF2B5EF4-FFF2-40B4-BE49-F238E27FC236}">
+                <a16:creationId xmlns:a16="http://schemas.microsoft.com/office/drawing/2014/main" id="{683B6529-1EC1-D05A-5895-B2F1EBB2356F}"/>
+              </a:ext>
+            </a:extLst>
+          </p:cNvPr>
+          <p:cNvPicPr>
+            <a:picLocks noChangeAspect="1"/>
+          </p:cNvPicPr>
+          <p:nvPr/>
+        </p:nvPicPr>
+        <p:blipFill>
+          <a:blip r:embed="rId9">
+            <a:extLst>
+              <a:ext uri="{28A0092B-C50C-407E-A947-70E740481C1C}">
+                <a14:useLocalDpi xmlns:a14="http://schemas.microsoft.com/office/drawing/2010/main" val="0"/>
+              </a:ext>
+            </a:extLst>
+          </a:blip>
+          <a:stretch>
+            <a:fillRect/>
+          </a:stretch>
+        </p:blipFill>
+        <p:spPr>
+          <a:xfrm>
+            <a:off x="3833592" y="21816"/>
+            <a:ext cx="3425337" cy="2973441"/>
+          </a:xfrm>
+          <a:prstGeom prst="rect">
+            <a:avLst/>
+          </a:prstGeom>
+        </p:spPr>
+      </p:pic>
+      <p:pic>
+        <p:nvPicPr>
+          <p:cNvPr id="20" name="Picture 19" descr="A colorful circle with numbers and text&#10;&#10;Description automatically generated with medium confidence">
+            <a:extLst>
+              <a:ext uri="{FF2B5EF4-FFF2-40B4-BE49-F238E27FC236}">
+                <a16:creationId xmlns:a16="http://schemas.microsoft.com/office/drawing/2014/main" id="{78DCCB54-8226-C8C5-C9FD-5CBA58915EC2}"/>
+              </a:ext>
+            </a:extLst>
+          </p:cNvPr>
+          <p:cNvPicPr>
+            <a:picLocks noChangeAspect="1"/>
+          </p:cNvPicPr>
+          <p:nvPr/>
+        </p:nvPicPr>
+        <p:blipFill>
+          <a:blip r:embed="rId10">
+            <a:extLst>
+              <a:ext uri="{28A0092B-C50C-407E-A947-70E740481C1C}">
+                <a14:useLocalDpi xmlns:a14="http://schemas.microsoft.com/office/drawing/2010/main" val="0"/>
+              </a:ext>
+            </a:extLst>
+          </a:blip>
+          <a:stretch>
+            <a:fillRect/>
+          </a:stretch>
+        </p:blipFill>
+        <p:spPr>
+          <a:xfrm>
+            <a:off x="30733" y="3026909"/>
+            <a:ext cx="4021027" cy="3159065"/>
+          </a:xfrm>
+          <a:prstGeom prst="rect">
+            <a:avLst/>
+          </a:prstGeom>
+        </p:spPr>
+      </p:pic>
     </p:spTree>
     <p:extLst>
       <p:ext uri="{BB962C8B-B14F-4D97-AF65-F5344CB8AC3E}">
@@ -18533,23 +18820,6 @@
 </file>
 
 <file path=customXml/item1.xml><?xml version="1.0" encoding="utf-8"?>
-<p:properties xmlns:p="http://schemas.microsoft.com/office/2006/metadata/properties" xmlns:xsi="http://www.w3.org/2001/XMLSchema-instance" xmlns:pc="http://schemas.microsoft.com/office/infopath/2007/PartnerControls">
-  <documentManagement>
-    <_activity xmlns="74c2638e-70d0-4fe8-b552-da195275d8cd" xsi:nil="true"/>
-  </documentManagement>
-</p:properties>
-</file>
-
-<file path=customXml/item2.xml><?xml version="1.0" encoding="utf-8"?>
-<?mso-contentType ?>
-<FormTemplates xmlns="http://schemas.microsoft.com/sharepoint/v3/contenttype/forms">
-  <Display>DocumentLibraryForm</Display>
-  <Edit>DocumentLibraryForm</Edit>
-  <New>DocumentLibraryForm</New>
-</FormTemplates>
-</file>
-
-<file path=customXml/item3.xml><?xml version="1.0" encoding="utf-8"?>
 <ct:contentTypeSchema xmlns:ct="http://schemas.microsoft.com/office/2006/metadata/contentType" xmlns:ma="http://schemas.microsoft.com/office/2006/metadata/properties/metaAttributes" ct:_="" ma:_="" ma:contentTypeName="Document" ma:contentTypeID="0x010100BC6DB83D9FC7A74391E0BE5D12855147" ma:contentTypeVersion="13" ma:contentTypeDescription="Create a new document." ma:contentTypeScope="" ma:versionID="789e416ea29131618a1025c40b3f7a1e">
   <xsd:schema xmlns:xsd="http://www.w3.org/2001/XMLSchema" xmlns:xs="http://www.w3.org/2001/XMLSchema" xmlns:p="http://schemas.microsoft.com/office/2006/metadata/properties" xmlns:ns3="74c2638e-70d0-4fe8-b552-da195275d8cd" xmlns:ns4="999a2e79-bbf5-40ba-9443-edc7e862ecee" targetNamespace="http://schemas.microsoft.com/office/2006/metadata/properties" ma:root="true" ma:fieldsID="ef45b31c2df87227c8fb8434630cb149" ns3:_="" ns4:_="">
     <xsd:import namespace="74c2638e-70d0-4fe8-b552-da195275d8cd"/>
@@ -18768,32 +19038,24 @@
 </ct:contentTypeSchema>
 </file>
 
-<file path=customXml/itemProps1.xml><?xml version="1.0" encoding="utf-8"?>
-<ds:datastoreItem xmlns:ds="http://schemas.openxmlformats.org/officeDocument/2006/customXml" ds:itemID="{4F4B194E-8B30-4377-8C59-ECFB902D2A26}">
-  <ds:schemaRefs>
-    <ds:schemaRef ds:uri="http://www.w3.org/XML/1998/namespace"/>
-    <ds:schemaRef ds:uri="http://purl.org/dc/dcmitype/"/>
-    <ds:schemaRef ds:uri="http://schemas.microsoft.com/office/2006/documentManagement/types"/>
-    <ds:schemaRef ds:uri="http://purl.org/dc/elements/1.1/"/>
-    <ds:schemaRef ds:uri="74c2638e-70d0-4fe8-b552-da195275d8cd"/>
-    <ds:schemaRef ds:uri="http://schemas.microsoft.com/office/2006/metadata/properties"/>
-    <ds:schemaRef ds:uri="http://schemas.microsoft.com/office/infopath/2007/PartnerControls"/>
-    <ds:schemaRef ds:uri="http://schemas.openxmlformats.org/package/2006/metadata/core-properties"/>
-    <ds:schemaRef ds:uri="999a2e79-bbf5-40ba-9443-edc7e862ecee"/>
-    <ds:schemaRef ds:uri="http://purl.org/dc/terms/"/>
-  </ds:schemaRefs>
-</ds:datastoreItem>
+<file path=customXml/item2.xml><?xml version="1.0" encoding="utf-8"?>
+<?mso-contentType ?>
+<FormTemplates xmlns="http://schemas.microsoft.com/sharepoint/v3/contenttype/forms">
+  <Display>DocumentLibraryForm</Display>
+  <Edit>DocumentLibraryForm</Edit>
+  <New>DocumentLibraryForm</New>
+</FormTemplates>
 </file>
 
-<file path=customXml/itemProps2.xml><?xml version="1.0" encoding="utf-8"?>
-<ds:datastoreItem xmlns:ds="http://schemas.openxmlformats.org/officeDocument/2006/customXml" ds:itemID="{C21FFAC0-05A2-416A-B06C-C248395482CF}">
-  <ds:schemaRefs>
-    <ds:schemaRef ds:uri="http://schemas.microsoft.com/sharepoint/v3/contenttype/forms"/>
-  </ds:schemaRefs>
-</ds:datastoreItem>
+<file path=customXml/item3.xml><?xml version="1.0" encoding="utf-8"?>
+<p:properties xmlns:p="http://schemas.microsoft.com/office/2006/metadata/properties" xmlns:xsi="http://www.w3.org/2001/XMLSchema-instance" xmlns:pc="http://schemas.microsoft.com/office/infopath/2007/PartnerControls">
+  <documentManagement>
+    <_activity xmlns="74c2638e-70d0-4fe8-b552-da195275d8cd" xsi:nil="true"/>
+  </documentManagement>
+</p:properties>
 </file>
 
-<file path=customXml/itemProps3.xml><?xml version="1.0" encoding="utf-8"?>
+<file path=customXml/itemProps1.xml><?xml version="1.0" encoding="utf-8"?>
 <ds:datastoreItem xmlns:ds="http://schemas.openxmlformats.org/officeDocument/2006/customXml" ds:itemID="{DB9BCEC9-5DB3-43DF-9C0D-EBF5B32D714E}">
   <ds:schemaRefs>
     <ds:schemaRef ds:uri="http://schemas.microsoft.com/office/2006/metadata/contentType"/>
@@ -18812,6 +19074,31 @@
 </ds:datastoreItem>
 </file>
 
+<file path=customXml/itemProps2.xml><?xml version="1.0" encoding="utf-8"?>
+<ds:datastoreItem xmlns:ds="http://schemas.openxmlformats.org/officeDocument/2006/customXml" ds:itemID="{C21FFAC0-05A2-416A-B06C-C248395482CF}">
+  <ds:schemaRefs>
+    <ds:schemaRef ds:uri="http://schemas.microsoft.com/sharepoint/v3/contenttype/forms"/>
+  </ds:schemaRefs>
+</ds:datastoreItem>
+</file>
+
+<file path=customXml/itemProps3.xml><?xml version="1.0" encoding="utf-8"?>
+<ds:datastoreItem xmlns:ds="http://schemas.openxmlformats.org/officeDocument/2006/customXml" ds:itemID="{4F4B194E-8B30-4377-8C59-ECFB902D2A26}">
+  <ds:schemaRefs>
+    <ds:schemaRef ds:uri="http://www.w3.org/XML/1998/namespace"/>
+    <ds:schemaRef ds:uri="http://purl.org/dc/dcmitype/"/>
+    <ds:schemaRef ds:uri="http://schemas.microsoft.com/office/2006/documentManagement/types"/>
+    <ds:schemaRef ds:uri="http://purl.org/dc/elements/1.1/"/>
+    <ds:schemaRef ds:uri="74c2638e-70d0-4fe8-b552-da195275d8cd"/>
+    <ds:schemaRef ds:uri="http://schemas.microsoft.com/office/2006/metadata/properties"/>
+    <ds:schemaRef ds:uri="http://schemas.microsoft.com/office/infopath/2007/PartnerControls"/>
+    <ds:schemaRef ds:uri="http://schemas.openxmlformats.org/package/2006/metadata/core-properties"/>
+    <ds:schemaRef ds:uri="999a2e79-bbf5-40ba-9443-edc7e862ecee"/>
+    <ds:schemaRef ds:uri="http://purl.org/dc/terms/"/>
+  </ds:schemaRefs>
+</ds:datastoreItem>
+</file>
+
 <file path=docMetadata/LabelInfo.xml><?xml version="1.0" encoding="utf-8"?>
 <clbl:labelList xmlns:clbl="http://schemas.microsoft.com/office/2020/mipLabelMetadata"/>
 </file>
--- a/TeamI.pptx
+++ b/TeamI.pptx
@@ -5,10 +5,10 @@
     <p:sldMasterId id="2147483658" r:id="rId4"/>
   </p:sldMasterIdLst>
   <p:notesMasterIdLst>
-    <p:notesMasterId r:id="rId18"/>
+    <p:notesMasterId r:id="rId17"/>
   </p:notesMasterIdLst>
   <p:handoutMasterIdLst>
-    <p:handoutMasterId r:id="rId19"/>
+    <p:handoutMasterId r:id="rId18"/>
   </p:handoutMasterIdLst>
   <p:sldIdLst>
     <p:sldId id="410" r:id="rId5"/>
@@ -16,14 +16,13 @@
     <p:sldId id="412" r:id="rId7"/>
     <p:sldId id="391" r:id="rId8"/>
     <p:sldId id="413" r:id="rId9"/>
-    <p:sldId id="408" r:id="rId10"/>
-    <p:sldId id="414" r:id="rId11"/>
+    <p:sldId id="414" r:id="rId10"/>
+    <p:sldId id="408" r:id="rId11"/>
     <p:sldId id="407" r:id="rId12"/>
     <p:sldId id="416" r:id="rId13"/>
     <p:sldId id="415" r:id="rId14"/>
     <p:sldId id="406" r:id="rId15"/>
-    <p:sldId id="404" r:id="rId16"/>
-    <p:sldId id="398" r:id="rId17"/>
+    <p:sldId id="398" r:id="rId16"/>
   </p:sldIdLst>
   <p:sldSz cx="12192000" cy="6858000"/>
   <p:notesSz cx="6858000" cy="9144000"/>
@@ -6534,90 +6533,6 @@
     </p:spTree>
     <p:extLst>
       <p:ext uri="{BB962C8B-B14F-4D97-AF65-F5344CB8AC3E}">
-        <p14:creationId xmlns:p14="http://schemas.microsoft.com/office/powerpoint/2010/main" val="634596896"/>
-      </p:ext>
-    </p:extLst>
-  </p:cSld>
-  <p:clrMapOvr>
-    <a:masterClrMapping/>
-  </p:clrMapOvr>
-</p:notes>
-</file>
-
-<file path=ppt/notesSlides/notesSlide11.xml><?xml version="1.0" encoding="utf-8"?>
-<p:notes xmlns:a="http://schemas.openxmlformats.org/drawingml/2006/main" xmlns:r="http://schemas.openxmlformats.org/officeDocument/2006/relationships" xmlns:p="http://schemas.openxmlformats.org/presentationml/2006/main">
-  <p:cSld>
-    <p:spTree>
-      <p:nvGrpSpPr>
-        <p:cNvPr id="1" name=""/>
-        <p:cNvGrpSpPr/>
-        <p:nvPr/>
-      </p:nvGrpSpPr>
-      <p:grpSpPr>
-        <a:xfrm>
-          <a:off x="0" y="0"/>
-          <a:ext cx="0" cy="0"/>
-          <a:chOff x="0" y="0"/>
-          <a:chExt cx="0" cy="0"/>
-        </a:xfrm>
-      </p:grpSpPr>
-      <p:sp>
-        <p:nvSpPr>
-          <p:cNvPr id="2" name="Slide Image Placeholder 1"/>
-          <p:cNvSpPr>
-            <a:spLocks noGrp="1" noRot="1" noChangeAspect="1"/>
-          </p:cNvSpPr>
-          <p:nvPr>
-            <p:ph type="sldImg"/>
-          </p:nvPr>
-        </p:nvSpPr>
-        <p:spPr/>
-      </p:sp>
-      <p:sp>
-        <p:nvSpPr>
-          <p:cNvPr id="3" name="Notes Placeholder 2"/>
-          <p:cNvSpPr>
-            <a:spLocks noGrp="1"/>
-          </p:cNvSpPr>
-          <p:nvPr>
-            <p:ph type="body" idx="1"/>
-          </p:nvPr>
-        </p:nvSpPr>
-        <p:spPr/>
-        <p:txBody>
-          <a:bodyPr/>
-          <a:lstStyle/>
-          <a:p>
-            <a:endParaRPr lang="en-US" dirty="0"/>
-          </a:p>
-        </p:txBody>
-      </p:sp>
-      <p:sp>
-        <p:nvSpPr>
-          <p:cNvPr id="4" name="Slide Number Placeholder 3"/>
-          <p:cNvSpPr>
-            <a:spLocks noGrp="1"/>
-          </p:cNvSpPr>
-          <p:nvPr>
-            <p:ph type="sldNum" sz="quarter" idx="5"/>
-          </p:nvPr>
-        </p:nvSpPr>
-        <p:spPr/>
-        <p:txBody>
-          <a:bodyPr/>
-          <a:lstStyle/>
-          <a:p>
-            <a:fld id="{A89C7E07-3C67-C64C-8DA0-0404F6303970}" type="slidenum">
-              <a:rPr lang="en-US" smtClean="0"/>
-              <a:t>13</a:t>
-            </a:fld>
-            <a:endParaRPr lang="en-US" dirty="0"/>
-          </a:p>
-        </p:txBody>
-      </p:sp>
-    </p:spTree>
-    <p:extLst>
-      <p:ext uri="{BB962C8B-B14F-4D97-AF65-F5344CB8AC3E}">
         <p14:creationId xmlns:p14="http://schemas.microsoft.com/office/powerpoint/2010/main" val="1765923172"/>
       </p:ext>
     </p:extLst>
@@ -6945,7 +6860,7 @@
           <a:p>
             <a:fld id="{A89C7E07-3C67-C64C-8DA0-0404F6303970}" type="slidenum">
               <a:rPr lang="en-US" smtClean="0"/>
-              <a:t>6</a:t>
+              <a:t>7</a:t>
             </a:fld>
             <a:endParaRPr lang="en-US" dirty="0"/>
           </a:p>
@@ -15894,209 +15809,6 @@
           <p:cNvPr id="2" name="Title 1">
             <a:extLst>
               <a:ext uri="{FF2B5EF4-FFF2-40B4-BE49-F238E27FC236}">
-                <a16:creationId xmlns:a16="http://schemas.microsoft.com/office/drawing/2014/main" id="{F0759DC4-8B30-98A0-5BAB-C78BA4A4AD55}"/>
-              </a:ext>
-            </a:extLst>
-          </p:cNvPr>
-          <p:cNvSpPr>
-            <a:spLocks noGrp="1"/>
-          </p:cNvSpPr>
-          <p:nvPr>
-            <p:ph type="title"/>
-          </p:nvPr>
-        </p:nvSpPr>
-        <p:spPr>
-          <a:xfrm>
-            <a:off x="594360" y="198408"/>
-            <a:ext cx="10972800" cy="1574317"/>
-          </a:xfrm>
-        </p:spPr>
-        <p:txBody>
-          <a:bodyPr/>
-          <a:lstStyle/>
-          <a:p>
-            <a:r>
-              <a:rPr lang="en-US" dirty="0"/>
-              <a:t>Future Work</a:t>
-            </a:r>
-          </a:p>
-        </p:txBody>
-      </p:sp>
-      <p:sp>
-        <p:nvSpPr>
-          <p:cNvPr id="3" name="Content Placeholder 2">
-            <a:extLst>
-              <a:ext uri="{FF2B5EF4-FFF2-40B4-BE49-F238E27FC236}">
-                <a16:creationId xmlns:a16="http://schemas.microsoft.com/office/drawing/2014/main" id="{4096FB3A-B62C-3DAB-4FD1-B4EBDD650AEF}"/>
-              </a:ext>
-            </a:extLst>
-          </p:cNvPr>
-          <p:cNvSpPr>
-            <a:spLocks noGrp="1"/>
-          </p:cNvSpPr>
-          <p:nvPr>
-            <p:ph sz="quarter" idx="13"/>
-          </p:nvPr>
-        </p:nvSpPr>
-        <p:spPr>
-          <a:xfrm>
-            <a:off x="595523" y="2676525"/>
-            <a:ext cx="5746750" cy="3597470"/>
-          </a:xfrm>
-        </p:spPr>
-        <p:txBody>
-          <a:bodyPr/>
-          <a:lstStyle/>
-          <a:p>
-            <a:r>
-              <a:rPr lang="en-US" dirty="0"/>
-              <a:t>Consistent rehearsal</a:t>
-            </a:r>
-          </a:p>
-          <a:p>
-            <a:pPr lvl="1"/>
-            <a:r>
-              <a:rPr lang="en-US" dirty="0"/>
-              <a:t>Strengthen your familiarity</a:t>
-            </a:r>
-          </a:p>
-          <a:p>
-            <a:r>
-              <a:rPr lang="en-US" dirty="0"/>
-              <a:t>Refine delivery style</a:t>
-            </a:r>
-          </a:p>
-          <a:p>
-            <a:pPr lvl="1"/>
-            <a:r>
-              <a:rPr lang="en-US" dirty="0"/>
-              <a:t>Pacing, tone, and emphasis</a:t>
-            </a:r>
-          </a:p>
-          <a:p>
-            <a:r>
-              <a:rPr lang="en-US" dirty="0"/>
-              <a:t>Timing and transitions</a:t>
-            </a:r>
-          </a:p>
-          <a:p>
-            <a:pPr lvl="1"/>
-            <a:r>
-              <a:rPr lang="en-US" dirty="0"/>
-              <a:t>Aim for seamless, professional delivery</a:t>
-            </a:r>
-          </a:p>
-          <a:p>
-            <a:r>
-              <a:rPr lang="en-US" dirty="0"/>
-              <a:t>Practice audience</a:t>
-            </a:r>
-          </a:p>
-          <a:p>
-            <a:pPr lvl="1"/>
-            <a:r>
-              <a:rPr lang="en-US" dirty="0"/>
-              <a:t>Enlist colleagues to listen &amp; provide feedback</a:t>
-            </a:r>
-          </a:p>
-          <a:p>
-            <a:pPr lvl="1"/>
-            <a:endParaRPr lang="en-US" dirty="0"/>
-          </a:p>
-        </p:txBody>
-      </p:sp>
-      <p:sp>
-        <p:nvSpPr>
-          <p:cNvPr id="4" name="Content Placeholder 3">
-            <a:extLst>
-              <a:ext uri="{FF2B5EF4-FFF2-40B4-BE49-F238E27FC236}">
-                <a16:creationId xmlns:a16="http://schemas.microsoft.com/office/drawing/2014/main" id="{43E198AA-251D-4446-30C4-8F2FA7F6A72C}"/>
-              </a:ext>
-            </a:extLst>
-          </p:cNvPr>
-          <p:cNvSpPr>
-            <a:spLocks noGrp="1"/>
-          </p:cNvSpPr>
-          <p:nvPr>
-            <p:ph sz="quarter" idx="14"/>
-          </p:nvPr>
-        </p:nvSpPr>
-        <p:spPr>
-          <a:xfrm>
-            <a:off x="7620000" y="2676525"/>
-            <a:ext cx="3947160" cy="3597470"/>
-          </a:xfrm>
-        </p:spPr>
-        <p:txBody>
-          <a:bodyPr/>
-          <a:lstStyle/>
-          <a:p>
-            <a:r>
-              <a:rPr lang="en-US" dirty="0"/>
-              <a:t>Seek feedback</a:t>
-            </a:r>
-          </a:p>
-          <a:p>
-            <a:r>
-              <a:rPr lang="en-US" dirty="0"/>
-              <a:t>Reflect on performance</a:t>
-            </a:r>
-          </a:p>
-          <a:p>
-            <a:r>
-              <a:rPr lang="en-US" dirty="0"/>
-              <a:t>Explore new techniques</a:t>
-            </a:r>
-          </a:p>
-          <a:p>
-            <a:r>
-              <a:rPr lang="en-US" dirty="0"/>
-              <a:t>Set personal goals</a:t>
-            </a:r>
-          </a:p>
-          <a:p>
-            <a:r>
-              <a:rPr lang="en-US" dirty="0"/>
-              <a:t>Iterate and adapt</a:t>
-            </a:r>
-          </a:p>
-        </p:txBody>
-      </p:sp>
-    </p:spTree>
-    <p:extLst>
-      <p:ext uri="{BB962C8B-B14F-4D97-AF65-F5344CB8AC3E}">
-        <p14:creationId xmlns:p14="http://schemas.microsoft.com/office/powerpoint/2010/main" val="1850768898"/>
-      </p:ext>
-    </p:extLst>
-  </p:cSld>
-  <p:clrMapOvr>
-    <a:masterClrMapping/>
-  </p:clrMapOvr>
-</p:sld>
-</file>
-
-<file path=ppt/slides/slide13.xml><?xml version="1.0" encoding="utf-8"?>
-<p:sld xmlns:a="http://schemas.openxmlformats.org/drawingml/2006/main" xmlns:r="http://schemas.openxmlformats.org/officeDocument/2006/relationships" xmlns:p="http://schemas.openxmlformats.org/presentationml/2006/main">
-  <p:cSld>
-    <p:spTree>
-      <p:nvGrpSpPr>
-        <p:cNvPr id="1" name=""/>
-        <p:cNvGrpSpPr/>
-        <p:nvPr/>
-      </p:nvGrpSpPr>
-      <p:grpSpPr>
-        <a:xfrm>
-          <a:off x="0" y="0"/>
-          <a:ext cx="0" cy="0"/>
-          <a:chOff x="0" y="0"/>
-          <a:chExt cx="0" cy="0"/>
-        </a:xfrm>
-      </p:grpSpPr>
-      <p:sp>
-        <p:nvSpPr>
-          <p:cNvPr id="2" name="Title 1">
-            <a:extLst>
-              <a:ext uri="{FF2B5EF4-FFF2-40B4-BE49-F238E27FC236}">
                 <a16:creationId xmlns:a16="http://schemas.microsoft.com/office/drawing/2014/main" id="{F810C1B7-6E4E-3DEE-50C0-1CA3B14303EE}"/>
               </a:ext>
             </a:extLst>
@@ -17381,6 +17093,99 @@
           <p:cNvPr id="2" name="Title 1">
             <a:extLst>
               <a:ext uri="{FF2B5EF4-FFF2-40B4-BE49-F238E27FC236}">
+                <a16:creationId xmlns:a16="http://schemas.microsoft.com/office/drawing/2014/main" id="{34A7B716-B2A4-AAD9-9085-85A7D82DB93F}"/>
+              </a:ext>
+            </a:extLst>
+          </p:cNvPr>
+          <p:cNvSpPr>
+            <a:spLocks noGrp="1"/>
+          </p:cNvSpPr>
+          <p:nvPr>
+            <p:ph type="title"/>
+          </p:nvPr>
+        </p:nvSpPr>
+        <p:spPr>
+          <a:xfrm>
+            <a:off x="594360" y="202400"/>
+            <a:ext cx="10972800" cy="1064425"/>
+          </a:xfrm>
+        </p:spPr>
+        <p:txBody>
+          <a:bodyPr/>
+          <a:lstStyle/>
+          <a:p>
+            <a:r>
+              <a:rPr lang="en-IN" dirty="0"/>
+              <a:t>Data Architecture</a:t>
+            </a:r>
+          </a:p>
+        </p:txBody>
+      </p:sp>
+      <p:pic>
+        <p:nvPicPr>
+          <p:cNvPr id="4" name="Picture 3">
+            <a:extLst>
+              <a:ext uri="{FF2B5EF4-FFF2-40B4-BE49-F238E27FC236}">
+                <a16:creationId xmlns:a16="http://schemas.microsoft.com/office/drawing/2014/main" id="{D64FBC41-05DA-EC74-519C-2BCA77B1761D}"/>
+              </a:ext>
+            </a:extLst>
+          </p:cNvPr>
+          <p:cNvPicPr>
+            <a:picLocks noChangeAspect="1"/>
+          </p:cNvPicPr>
+          <p:nvPr/>
+        </p:nvPicPr>
+        <p:blipFill>
+          <a:blip r:embed="rId2"/>
+          <a:stretch>
+            <a:fillRect/>
+          </a:stretch>
+        </p:blipFill>
+        <p:spPr>
+          <a:xfrm>
+            <a:off x="594360" y="1321910"/>
+            <a:ext cx="11264848" cy="5333690"/>
+          </a:xfrm>
+          <a:prstGeom prst="rect">
+            <a:avLst/>
+          </a:prstGeom>
+        </p:spPr>
+      </p:pic>
+    </p:spTree>
+    <p:extLst>
+      <p:ext uri="{BB962C8B-B14F-4D97-AF65-F5344CB8AC3E}">
+        <p14:creationId xmlns:p14="http://schemas.microsoft.com/office/powerpoint/2010/main" val="2433993887"/>
+      </p:ext>
+    </p:extLst>
+  </p:cSld>
+  <p:clrMapOvr>
+    <a:masterClrMapping/>
+  </p:clrMapOvr>
+</p:sld>
+</file>
+
+<file path=ppt/slides/slide7.xml><?xml version="1.0" encoding="utf-8"?>
+<p:sld xmlns:a="http://schemas.openxmlformats.org/drawingml/2006/main" xmlns:r="http://schemas.openxmlformats.org/officeDocument/2006/relationships" xmlns:p="http://schemas.openxmlformats.org/presentationml/2006/main">
+  <p:cSld>
+    <p:spTree>
+      <p:nvGrpSpPr>
+        <p:cNvPr id="1" name=""/>
+        <p:cNvGrpSpPr/>
+        <p:nvPr/>
+      </p:nvGrpSpPr>
+      <p:grpSpPr>
+        <a:xfrm>
+          <a:off x="0" y="0"/>
+          <a:ext cx="0" cy="0"/>
+          <a:chOff x="0" y="0"/>
+          <a:chExt cx="0" cy="0"/>
+        </a:xfrm>
+      </p:grpSpPr>
+      <p:sp>
+        <p:nvSpPr>
+          <p:cNvPr id="2" name="Title 1">
+            <a:extLst>
+              <a:ext uri="{FF2B5EF4-FFF2-40B4-BE49-F238E27FC236}">
                 <a16:creationId xmlns:a16="http://schemas.microsoft.com/office/drawing/2014/main" id="{805346ED-721D-85EE-2F1B-A31D0912DE29}"/>
               </a:ext>
             </a:extLst>
@@ -17499,99 +17304,6 @@
     <p:extLst>
       <p:ext uri="{BB962C8B-B14F-4D97-AF65-F5344CB8AC3E}">
         <p14:creationId xmlns:p14="http://schemas.microsoft.com/office/powerpoint/2010/main" val="888484295"/>
-      </p:ext>
-    </p:extLst>
-  </p:cSld>
-  <p:clrMapOvr>
-    <a:masterClrMapping/>
-  </p:clrMapOvr>
-</p:sld>
-</file>
-
-<file path=ppt/slides/slide7.xml><?xml version="1.0" encoding="utf-8"?>
-<p:sld xmlns:a="http://schemas.openxmlformats.org/drawingml/2006/main" xmlns:r="http://schemas.openxmlformats.org/officeDocument/2006/relationships" xmlns:p="http://schemas.openxmlformats.org/presentationml/2006/main">
-  <p:cSld>
-    <p:spTree>
-      <p:nvGrpSpPr>
-        <p:cNvPr id="1" name=""/>
-        <p:cNvGrpSpPr/>
-        <p:nvPr/>
-      </p:nvGrpSpPr>
-      <p:grpSpPr>
-        <a:xfrm>
-          <a:off x="0" y="0"/>
-          <a:ext cx="0" cy="0"/>
-          <a:chOff x="0" y="0"/>
-          <a:chExt cx="0" cy="0"/>
-        </a:xfrm>
-      </p:grpSpPr>
-      <p:sp>
-        <p:nvSpPr>
-          <p:cNvPr id="2" name="Title 1">
-            <a:extLst>
-              <a:ext uri="{FF2B5EF4-FFF2-40B4-BE49-F238E27FC236}">
-                <a16:creationId xmlns:a16="http://schemas.microsoft.com/office/drawing/2014/main" id="{34A7B716-B2A4-AAD9-9085-85A7D82DB93F}"/>
-              </a:ext>
-            </a:extLst>
-          </p:cNvPr>
-          <p:cNvSpPr>
-            <a:spLocks noGrp="1"/>
-          </p:cNvSpPr>
-          <p:nvPr>
-            <p:ph type="title"/>
-          </p:nvPr>
-        </p:nvSpPr>
-        <p:spPr>
-          <a:xfrm>
-            <a:off x="594360" y="202400"/>
-            <a:ext cx="10972800" cy="1064425"/>
-          </a:xfrm>
-        </p:spPr>
-        <p:txBody>
-          <a:bodyPr/>
-          <a:lstStyle/>
-          <a:p>
-            <a:r>
-              <a:rPr lang="en-IN" dirty="0"/>
-              <a:t>Data Architecture</a:t>
-            </a:r>
-          </a:p>
-        </p:txBody>
-      </p:sp>
-      <p:pic>
-        <p:nvPicPr>
-          <p:cNvPr id="4" name="Picture 3">
-            <a:extLst>
-              <a:ext uri="{FF2B5EF4-FFF2-40B4-BE49-F238E27FC236}">
-                <a16:creationId xmlns:a16="http://schemas.microsoft.com/office/drawing/2014/main" id="{D64FBC41-05DA-EC74-519C-2BCA77B1761D}"/>
-              </a:ext>
-            </a:extLst>
-          </p:cNvPr>
-          <p:cNvPicPr>
-            <a:picLocks noChangeAspect="1"/>
-          </p:cNvPicPr>
-          <p:nvPr/>
-        </p:nvPicPr>
-        <p:blipFill>
-          <a:blip r:embed="rId2"/>
-          <a:stretch>
-            <a:fillRect/>
-          </a:stretch>
-        </p:blipFill>
-        <p:spPr>
-          <a:xfrm>
-            <a:off x="594360" y="1321910"/>
-            <a:ext cx="11264848" cy="5333690"/>
-          </a:xfrm>
-          <a:prstGeom prst="rect">
-            <a:avLst/>
-          </a:prstGeom>
-        </p:spPr>
-      </p:pic>
-    </p:spTree>
-    <p:extLst>
-      <p:ext uri="{BB962C8B-B14F-4D97-AF65-F5344CB8AC3E}">
-        <p14:creationId xmlns:p14="http://schemas.microsoft.com/office/powerpoint/2010/main" val="2433993887"/>
       </p:ext>
     </p:extLst>
   </p:cSld>
@@ -18521,6 +18233,23 @@
 </file>
 
 <file path=customXml/item1.xml><?xml version="1.0" encoding="utf-8"?>
+<p:properties xmlns:p="http://schemas.microsoft.com/office/2006/metadata/properties" xmlns:xsi="http://www.w3.org/2001/XMLSchema-instance" xmlns:pc="http://schemas.microsoft.com/office/infopath/2007/PartnerControls">
+  <documentManagement>
+    <_activity xmlns="74c2638e-70d0-4fe8-b552-da195275d8cd" xsi:nil="true"/>
+  </documentManagement>
+</p:properties>
+</file>
+
+<file path=customXml/item2.xml><?xml version="1.0" encoding="utf-8"?>
+<?mso-contentType ?>
+<FormTemplates xmlns="http://schemas.microsoft.com/sharepoint/v3/contenttype/forms">
+  <Display>DocumentLibraryForm</Display>
+  <Edit>DocumentLibraryForm</Edit>
+  <New>DocumentLibraryForm</New>
+</FormTemplates>
+</file>
+
+<file path=customXml/item3.xml><?xml version="1.0" encoding="utf-8"?>
 <ct:contentTypeSchema xmlns:ct="http://schemas.microsoft.com/office/2006/metadata/contentType" xmlns:ma="http://schemas.microsoft.com/office/2006/metadata/properties/metaAttributes" ct:_="" ma:_="" ma:contentTypeName="Document" ma:contentTypeID="0x010100BC6DB83D9FC7A74391E0BE5D12855147" ma:contentTypeVersion="13" ma:contentTypeDescription="Create a new document." ma:contentTypeScope="" ma:versionID="789e416ea29131618a1025c40b3f7a1e">
   <xsd:schema xmlns:xsd="http://www.w3.org/2001/XMLSchema" xmlns:xs="http://www.w3.org/2001/XMLSchema" xmlns:p="http://schemas.microsoft.com/office/2006/metadata/properties" xmlns:ns3="74c2638e-70d0-4fe8-b552-da195275d8cd" xmlns:ns4="999a2e79-bbf5-40ba-9443-edc7e862ecee" targetNamespace="http://schemas.microsoft.com/office/2006/metadata/properties" ma:root="true" ma:fieldsID="ef45b31c2df87227c8fb8434630cb149" ns3:_="" ns4:_="">
     <xsd:import namespace="74c2638e-70d0-4fe8-b552-da195275d8cd"/>
@@ -18739,24 +18468,32 @@
 </ct:contentTypeSchema>
 </file>
 
-<file path=customXml/item2.xml><?xml version="1.0" encoding="utf-8"?>
-<?mso-contentType ?>
-<FormTemplates xmlns="http://schemas.microsoft.com/sharepoint/v3/contenttype/forms">
-  <Display>DocumentLibraryForm</Display>
-  <Edit>DocumentLibraryForm</Edit>
-  <New>DocumentLibraryForm</New>
-</FormTemplates>
+<file path=customXml/itemProps1.xml><?xml version="1.0" encoding="utf-8"?>
+<ds:datastoreItem xmlns:ds="http://schemas.openxmlformats.org/officeDocument/2006/customXml" ds:itemID="{4F4B194E-8B30-4377-8C59-ECFB902D2A26}">
+  <ds:schemaRefs>
+    <ds:schemaRef ds:uri="http://www.w3.org/XML/1998/namespace"/>
+    <ds:schemaRef ds:uri="http://purl.org/dc/dcmitype/"/>
+    <ds:schemaRef ds:uri="http://schemas.microsoft.com/office/2006/documentManagement/types"/>
+    <ds:schemaRef ds:uri="http://purl.org/dc/elements/1.1/"/>
+    <ds:schemaRef ds:uri="74c2638e-70d0-4fe8-b552-da195275d8cd"/>
+    <ds:schemaRef ds:uri="http://schemas.microsoft.com/office/2006/metadata/properties"/>
+    <ds:schemaRef ds:uri="http://schemas.microsoft.com/office/infopath/2007/PartnerControls"/>
+    <ds:schemaRef ds:uri="http://schemas.openxmlformats.org/package/2006/metadata/core-properties"/>
+    <ds:schemaRef ds:uri="999a2e79-bbf5-40ba-9443-edc7e862ecee"/>
+    <ds:schemaRef ds:uri="http://purl.org/dc/terms/"/>
+  </ds:schemaRefs>
+</ds:datastoreItem>
 </file>
 
-<file path=customXml/item3.xml><?xml version="1.0" encoding="utf-8"?>
-<p:properties xmlns:p="http://schemas.microsoft.com/office/2006/metadata/properties" xmlns:xsi="http://www.w3.org/2001/XMLSchema-instance" xmlns:pc="http://schemas.microsoft.com/office/infopath/2007/PartnerControls">
-  <documentManagement>
-    <_activity xmlns="74c2638e-70d0-4fe8-b552-da195275d8cd" xsi:nil="true"/>
-  </documentManagement>
-</p:properties>
+<file path=customXml/itemProps2.xml><?xml version="1.0" encoding="utf-8"?>
+<ds:datastoreItem xmlns:ds="http://schemas.openxmlformats.org/officeDocument/2006/customXml" ds:itemID="{C21FFAC0-05A2-416A-B06C-C248395482CF}">
+  <ds:schemaRefs>
+    <ds:schemaRef ds:uri="http://schemas.microsoft.com/sharepoint/v3/contenttype/forms"/>
+  </ds:schemaRefs>
+</ds:datastoreItem>
 </file>
 
-<file path=customXml/itemProps1.xml><?xml version="1.0" encoding="utf-8"?>
+<file path=customXml/itemProps3.xml><?xml version="1.0" encoding="utf-8"?>
 <ds:datastoreItem xmlns:ds="http://schemas.openxmlformats.org/officeDocument/2006/customXml" ds:itemID="{DB9BCEC9-5DB3-43DF-9C0D-EBF5B32D714E}">
   <ds:schemaRefs>
     <ds:schemaRef ds:uri="http://schemas.microsoft.com/office/2006/metadata/contentType"/>
@@ -18775,31 +18512,6 @@
 </ds:datastoreItem>
 </file>
 
-<file path=customXml/itemProps2.xml><?xml version="1.0" encoding="utf-8"?>
-<ds:datastoreItem xmlns:ds="http://schemas.openxmlformats.org/officeDocument/2006/customXml" ds:itemID="{C21FFAC0-05A2-416A-B06C-C248395482CF}">
-  <ds:schemaRefs>
-    <ds:schemaRef ds:uri="http://schemas.microsoft.com/sharepoint/v3/contenttype/forms"/>
-  </ds:schemaRefs>
-</ds:datastoreItem>
-</file>
-
-<file path=customXml/itemProps3.xml><?xml version="1.0" encoding="utf-8"?>
-<ds:datastoreItem xmlns:ds="http://schemas.openxmlformats.org/officeDocument/2006/customXml" ds:itemID="{4F4B194E-8B30-4377-8C59-ECFB902D2A26}">
-  <ds:schemaRefs>
-    <ds:schemaRef ds:uri="http://www.w3.org/XML/1998/namespace"/>
-    <ds:schemaRef ds:uri="http://purl.org/dc/dcmitype/"/>
-    <ds:schemaRef ds:uri="http://schemas.microsoft.com/office/2006/documentManagement/types"/>
-    <ds:schemaRef ds:uri="http://purl.org/dc/elements/1.1/"/>
-    <ds:schemaRef ds:uri="74c2638e-70d0-4fe8-b552-da195275d8cd"/>
-    <ds:schemaRef ds:uri="http://schemas.microsoft.com/office/2006/metadata/properties"/>
-    <ds:schemaRef ds:uri="http://schemas.microsoft.com/office/infopath/2007/PartnerControls"/>
-    <ds:schemaRef ds:uri="http://schemas.openxmlformats.org/package/2006/metadata/core-properties"/>
-    <ds:schemaRef ds:uri="999a2e79-bbf5-40ba-9443-edc7e862ecee"/>
-    <ds:schemaRef ds:uri="http://purl.org/dc/terms/"/>
-  </ds:schemaRefs>
-</ds:datastoreItem>
-</file>
-
 <file path=docMetadata/LabelInfo.xml><?xml version="1.0" encoding="utf-8"?>
 <clbl:labelList xmlns:clbl="http://schemas.microsoft.com/office/2020/mipLabelMetadata"/>
 </file>